--- a/development/AdvancedDNASeq/slides/Part5.5_Scripting.pptx
+++ b/development/AdvancedDNASeq/slides/Part5.5_Scripting.pptx
@@ -235,7 +235,7 @@
           <a:p>
             <a:fld id="{07AFF704-C85E-D24C-A7E3-0F9EBEED715E}" type="datetimeFigureOut">
               <a:rPr lang="en-US" smtClean="0"/>
-              <a:t>5/25/17</a:t>
+              <a:t>2/25/18</a:t>
             </a:fld>
             <a:endParaRPr lang="en-US"/>
           </a:p>
@@ -507,10 +507,9 @@
           </a:lstStyle>
           <a:p>
             <a:r>
-              <a:rPr kumimoji="0" lang="en-US" smtClean="0"/>
+              <a:rPr kumimoji="0" lang="en-US"/>
               <a:t>Click to edit Master title style</a:t>
             </a:r>
-            <a:endParaRPr kumimoji="0" lang="en-US"/>
           </a:p>
         </p:txBody>
       </p:sp>
@@ -570,10 +569,9 @@
           </a:lstStyle>
           <a:p>
             <a:r>
-              <a:rPr kumimoji="0" lang="en-US" smtClean="0"/>
+              <a:rPr kumimoji="0" lang="en-US"/>
               <a:t>Click to edit Master subtitle style</a:t>
             </a:r>
-            <a:endParaRPr kumimoji="0" lang="en-US"/>
           </a:p>
         </p:txBody>
       </p:sp>
@@ -609,7 +607,7 @@
           <a:p>
             <a:fld id="{C8A432C8-69A7-458B-9684-2BFA64B31948}" type="datetime2">
               <a:rPr lang="en-US" smtClean="0"/>
-              <a:t>Thursday, May 25, 2017</a:t>
+              <a:t>Sunday, February 25, 2018</a:t>
             </a:fld>
             <a:endParaRPr lang="en-US"/>
           </a:p>
@@ -726,10 +724,9 @@
           <a:lstStyle/>
           <a:p>
             <a:r>
-              <a:rPr kumimoji="0" lang="en-US" smtClean="0"/>
+              <a:rPr kumimoji="0" lang="en-US"/>
               <a:t>Click to edit Master title style</a:t>
             </a:r>
-            <a:endParaRPr kumimoji="0" lang="en-US"/>
           </a:p>
         </p:txBody>
       </p:sp>
@@ -750,35 +747,35 @@
           <a:p>
             <a:pPr lvl="0" eaLnBrk="1" latinLnBrk="0" hangingPunct="1"/>
             <a:r>
-              <a:rPr lang="en-US" smtClean="0"/>
+              <a:rPr lang="en-US"/>
               <a:t>Click to edit Master text styles</a:t>
             </a:r>
           </a:p>
           <a:p>
             <a:pPr lvl="1" eaLnBrk="1" latinLnBrk="0" hangingPunct="1"/>
             <a:r>
-              <a:rPr lang="en-US" smtClean="0"/>
+              <a:rPr lang="en-US"/>
               <a:t>Second level</a:t>
             </a:r>
           </a:p>
           <a:p>
             <a:pPr lvl="2" eaLnBrk="1" latinLnBrk="0" hangingPunct="1"/>
             <a:r>
-              <a:rPr lang="en-US" smtClean="0"/>
+              <a:rPr lang="en-US"/>
               <a:t>Third level</a:t>
             </a:r>
           </a:p>
           <a:p>
             <a:pPr lvl="3" eaLnBrk="1" latinLnBrk="0" hangingPunct="1"/>
             <a:r>
-              <a:rPr lang="en-US" smtClean="0"/>
+              <a:rPr lang="en-US"/>
               <a:t>Fourth level</a:t>
             </a:r>
           </a:p>
           <a:p>
             <a:pPr lvl="4" eaLnBrk="1" latinLnBrk="0" hangingPunct="1"/>
             <a:r>
-              <a:rPr lang="en-US" smtClean="0"/>
+              <a:rPr lang="en-US"/>
               <a:t>Fifth level</a:t>
             </a:r>
             <a:endParaRPr kumimoji="0" lang="en-US"/>
@@ -802,7 +799,7 @@
           <a:p>
             <a:fld id="{8CC057FC-95B6-4D89-AFDA-ABA33EE921E5}" type="datetime2">
               <a:rPr lang="en-US" smtClean="0"/>
-              <a:t>Thursday, May 25, 2017</a:t>
+              <a:t>Sunday, February 25, 2018</a:t>
             </a:fld>
             <a:endParaRPr lang="en-US"/>
           </a:p>
@@ -903,10 +900,9 @@
           <a:lstStyle/>
           <a:p>
             <a:r>
-              <a:rPr kumimoji="0" lang="en-US" smtClean="0"/>
+              <a:rPr kumimoji="0" lang="en-US"/>
               <a:t>Click to edit Master title style</a:t>
             </a:r>
-            <a:endParaRPr kumimoji="0" lang="en-US"/>
           </a:p>
         </p:txBody>
       </p:sp>
@@ -932,35 +928,35 @@
           <a:p>
             <a:pPr lvl="0" eaLnBrk="1" latinLnBrk="0" hangingPunct="1"/>
             <a:r>
-              <a:rPr lang="en-US" smtClean="0"/>
+              <a:rPr lang="en-US"/>
               <a:t>Click to edit Master text styles</a:t>
             </a:r>
           </a:p>
           <a:p>
             <a:pPr lvl="1" eaLnBrk="1" latinLnBrk="0" hangingPunct="1"/>
             <a:r>
-              <a:rPr lang="en-US" smtClean="0"/>
+              <a:rPr lang="en-US"/>
               <a:t>Second level</a:t>
             </a:r>
           </a:p>
           <a:p>
             <a:pPr lvl="2" eaLnBrk="1" latinLnBrk="0" hangingPunct="1"/>
             <a:r>
-              <a:rPr lang="en-US" smtClean="0"/>
+              <a:rPr lang="en-US"/>
               <a:t>Third level</a:t>
             </a:r>
           </a:p>
           <a:p>
             <a:pPr lvl="3" eaLnBrk="1" latinLnBrk="0" hangingPunct="1"/>
             <a:r>
-              <a:rPr lang="en-US" smtClean="0"/>
+              <a:rPr lang="en-US"/>
               <a:t>Fourth level</a:t>
             </a:r>
           </a:p>
           <a:p>
             <a:pPr lvl="4" eaLnBrk="1" latinLnBrk="0" hangingPunct="1"/>
             <a:r>
-              <a:rPr lang="en-US" smtClean="0"/>
+              <a:rPr lang="en-US"/>
               <a:t>Fifth level</a:t>
             </a:r>
             <a:endParaRPr kumimoji="0" lang="en-US"/>
@@ -989,7 +985,7 @@
           <a:p>
             <a:fld id="{EC4549AC-EB31-477F-92A9-B1988E232878}" type="datetime2">
               <a:rPr lang="en-US" smtClean="0"/>
-              <a:t>Thursday, May 25, 2017</a:t>
+              <a:t>Sunday, February 25, 2018</a:t>
             </a:fld>
             <a:endParaRPr lang="en-US"/>
           </a:p>
@@ -1230,10 +1226,9 @@
           <a:lstStyle/>
           <a:p>
             <a:r>
-              <a:rPr kumimoji="0" lang="en-US" smtClean="0"/>
+              <a:rPr kumimoji="0" lang="en-US"/>
               <a:t>Click to edit Master title style</a:t>
             </a:r>
-            <a:endParaRPr kumimoji="0" lang="en-US"/>
           </a:p>
         </p:txBody>
       </p:sp>
@@ -1254,7 +1249,7 @@
           <a:p>
             <a:fld id="{6396A3A3-94A6-4E5B-AF39-173ACA3E61CC}" type="datetime2">
               <a:rPr lang="en-US" smtClean="0"/>
-              <a:t>Thursday, May 25, 2017</a:t>
+              <a:t>Sunday, February 25, 2018</a:t>
             </a:fld>
             <a:endParaRPr lang="en-US"/>
           </a:p>
@@ -1334,35 +1329,35 @@
           <a:p>
             <a:pPr lvl="0" eaLnBrk="1" latinLnBrk="0" hangingPunct="1"/>
             <a:r>
-              <a:rPr lang="en-US" smtClean="0"/>
+              <a:rPr lang="en-US"/>
               <a:t>Click to edit Master text styles</a:t>
             </a:r>
           </a:p>
           <a:p>
             <a:pPr lvl="1" eaLnBrk="1" latinLnBrk="0" hangingPunct="1"/>
             <a:r>
-              <a:rPr lang="en-US" smtClean="0"/>
+              <a:rPr lang="en-US"/>
               <a:t>Second level</a:t>
             </a:r>
           </a:p>
           <a:p>
             <a:pPr lvl="2" eaLnBrk="1" latinLnBrk="0" hangingPunct="1"/>
             <a:r>
-              <a:rPr lang="en-US" smtClean="0"/>
+              <a:rPr lang="en-US"/>
               <a:t>Third level</a:t>
             </a:r>
           </a:p>
           <a:p>
             <a:pPr lvl="3" eaLnBrk="1" latinLnBrk="0" hangingPunct="1"/>
             <a:r>
-              <a:rPr lang="en-US" smtClean="0"/>
+              <a:rPr lang="en-US"/>
               <a:t>Fourth level</a:t>
             </a:r>
           </a:p>
           <a:p>
             <a:pPr lvl="4" eaLnBrk="1" latinLnBrk="0" hangingPunct="1"/>
             <a:r>
-              <a:rPr lang="en-US" smtClean="0"/>
+              <a:rPr lang="en-US"/>
               <a:t>Fifth level</a:t>
             </a:r>
             <a:endParaRPr kumimoji="0" lang="en-US"/>
@@ -1470,7 +1465,7 @@
           <a:p>
             <a:pPr lvl="0" eaLnBrk="1" latinLnBrk="0" hangingPunct="1"/>
             <a:r>
-              <a:rPr kumimoji="0" lang="en-US" smtClean="0"/>
+              <a:rPr kumimoji="0" lang="en-US"/>
               <a:t>Click to edit Master text styles</a:t>
             </a:r>
           </a:p>
@@ -1648,10 +1643,9 @@
           </a:lstStyle>
           <a:p>
             <a:r>
-              <a:rPr kumimoji="0" lang="en-US" smtClean="0"/>
+              <a:rPr kumimoji="0" lang="en-US"/>
               <a:t>Click to edit Master title style</a:t>
             </a:r>
-            <a:endParaRPr kumimoji="0" lang="en-US"/>
           </a:p>
         </p:txBody>
       </p:sp>
@@ -1672,7 +1666,7 @@
           <a:p>
             <a:fld id="{9933D019-A32C-4EAD-B8E6-DBDA699692FD}" type="datetime2">
               <a:rPr lang="en-US" smtClean="0"/>
-              <a:t>Thursday, May 25, 2017</a:t>
+              <a:t>Sunday, February 25, 2018</a:t>
             </a:fld>
             <a:endParaRPr lang="en-US"/>
           </a:p>
@@ -1778,10 +1772,9 @@
           <a:lstStyle/>
           <a:p>
             <a:r>
-              <a:rPr kumimoji="0" lang="en-US" smtClean="0"/>
+              <a:rPr kumimoji="0" lang="en-US"/>
               <a:t>Click to edit Master title style</a:t>
             </a:r>
-            <a:endParaRPr kumimoji="0" lang="en-US"/>
           </a:p>
         </p:txBody>
       </p:sp>
@@ -1807,35 +1800,35 @@
           <a:p>
             <a:pPr lvl="0" eaLnBrk="1" latinLnBrk="0" hangingPunct="1"/>
             <a:r>
-              <a:rPr lang="en-US" smtClean="0"/>
+              <a:rPr lang="en-US"/>
               <a:t>Click to edit Master text styles</a:t>
             </a:r>
           </a:p>
           <a:p>
             <a:pPr lvl="1" eaLnBrk="1" latinLnBrk="0" hangingPunct="1"/>
             <a:r>
-              <a:rPr lang="en-US" smtClean="0"/>
+              <a:rPr lang="en-US"/>
               <a:t>Second level</a:t>
             </a:r>
           </a:p>
           <a:p>
             <a:pPr lvl="2" eaLnBrk="1" latinLnBrk="0" hangingPunct="1"/>
             <a:r>
-              <a:rPr lang="en-US" smtClean="0"/>
+              <a:rPr lang="en-US"/>
               <a:t>Third level</a:t>
             </a:r>
           </a:p>
           <a:p>
             <a:pPr lvl="3" eaLnBrk="1" latinLnBrk="0" hangingPunct="1"/>
             <a:r>
-              <a:rPr lang="en-US" smtClean="0"/>
+              <a:rPr lang="en-US"/>
               <a:t>Fourth level</a:t>
             </a:r>
           </a:p>
           <a:p>
             <a:pPr lvl="4" eaLnBrk="1" latinLnBrk="0" hangingPunct="1"/>
             <a:r>
-              <a:rPr lang="en-US" smtClean="0"/>
+              <a:rPr lang="en-US"/>
               <a:t>Fifth level</a:t>
             </a:r>
             <a:endParaRPr kumimoji="0" lang="en-US"/>
@@ -1864,35 +1857,35 @@
           <a:p>
             <a:pPr lvl="0" eaLnBrk="1" latinLnBrk="0" hangingPunct="1"/>
             <a:r>
-              <a:rPr lang="en-US" smtClean="0"/>
+              <a:rPr lang="en-US"/>
               <a:t>Click to edit Master text styles</a:t>
             </a:r>
           </a:p>
           <a:p>
             <a:pPr lvl="1" eaLnBrk="1" latinLnBrk="0" hangingPunct="1"/>
             <a:r>
-              <a:rPr lang="en-US" smtClean="0"/>
+              <a:rPr lang="en-US"/>
               <a:t>Second level</a:t>
             </a:r>
           </a:p>
           <a:p>
             <a:pPr lvl="2" eaLnBrk="1" latinLnBrk="0" hangingPunct="1"/>
             <a:r>
-              <a:rPr lang="en-US" smtClean="0"/>
+              <a:rPr lang="en-US"/>
               <a:t>Third level</a:t>
             </a:r>
           </a:p>
           <a:p>
             <a:pPr lvl="3" eaLnBrk="1" latinLnBrk="0" hangingPunct="1"/>
             <a:r>
-              <a:rPr lang="en-US" smtClean="0"/>
+              <a:rPr lang="en-US"/>
               <a:t>Fourth level</a:t>
             </a:r>
           </a:p>
           <a:p>
             <a:pPr lvl="4" eaLnBrk="1" latinLnBrk="0" hangingPunct="1"/>
             <a:r>
-              <a:rPr lang="en-US" smtClean="0"/>
+              <a:rPr lang="en-US"/>
               <a:t>Fifth level</a:t>
             </a:r>
             <a:endParaRPr kumimoji="0" lang="en-US"/>
@@ -1916,7 +1909,7 @@
           <a:p>
             <a:fld id="{CCEBA98F-560C-4997-81C4-81D4D9187EAB}" type="datetime2">
               <a:rPr lang="en-US" smtClean="0"/>
-              <a:t>Thursday, May 25, 2017</a:t>
+              <a:t>Sunday, February 25, 2018</a:t>
             </a:fld>
             <a:endParaRPr lang="en-US"/>
           </a:p>
@@ -2016,10 +2009,9 @@
           </a:lstStyle>
           <a:p>
             <a:r>
-              <a:rPr kumimoji="0" lang="en-US" smtClean="0"/>
+              <a:rPr kumimoji="0" lang="en-US"/>
               <a:t>Click to edit Master title style</a:t>
             </a:r>
-            <a:endParaRPr kumimoji="0" lang="en-US"/>
           </a:p>
         </p:txBody>
       </p:sp>
@@ -2045,35 +2037,35 @@
           <a:p>
             <a:pPr lvl="0" eaLnBrk="1" latinLnBrk="0" hangingPunct="1"/>
             <a:r>
-              <a:rPr lang="en-US" smtClean="0"/>
+              <a:rPr lang="en-US"/>
               <a:t>Click to edit Master text styles</a:t>
             </a:r>
           </a:p>
           <a:p>
             <a:pPr lvl="1" eaLnBrk="1" latinLnBrk="0" hangingPunct="1"/>
             <a:r>
-              <a:rPr lang="en-US" smtClean="0"/>
+              <a:rPr lang="en-US"/>
               <a:t>Second level</a:t>
             </a:r>
           </a:p>
           <a:p>
             <a:pPr lvl="2" eaLnBrk="1" latinLnBrk="0" hangingPunct="1"/>
             <a:r>
-              <a:rPr lang="en-US" smtClean="0"/>
+              <a:rPr lang="en-US"/>
               <a:t>Third level</a:t>
             </a:r>
           </a:p>
           <a:p>
             <a:pPr lvl="3" eaLnBrk="1" latinLnBrk="0" hangingPunct="1"/>
             <a:r>
-              <a:rPr lang="en-US" smtClean="0"/>
+              <a:rPr lang="en-US"/>
               <a:t>Fourth level</a:t>
             </a:r>
           </a:p>
           <a:p>
             <a:pPr lvl="4" eaLnBrk="1" latinLnBrk="0" hangingPunct="1"/>
             <a:r>
-              <a:rPr lang="en-US" smtClean="0"/>
+              <a:rPr lang="en-US"/>
               <a:t>Fifth level</a:t>
             </a:r>
             <a:endParaRPr kumimoji="0" lang="en-US"/>
@@ -2102,35 +2094,35 @@
           <a:p>
             <a:pPr lvl="0" eaLnBrk="1" latinLnBrk="0" hangingPunct="1"/>
             <a:r>
-              <a:rPr lang="en-US" smtClean="0"/>
+              <a:rPr lang="en-US"/>
               <a:t>Click to edit Master text styles</a:t>
             </a:r>
           </a:p>
           <a:p>
             <a:pPr lvl="1" eaLnBrk="1" latinLnBrk="0" hangingPunct="1"/>
             <a:r>
-              <a:rPr lang="en-US" smtClean="0"/>
+              <a:rPr lang="en-US"/>
               <a:t>Second level</a:t>
             </a:r>
           </a:p>
           <a:p>
             <a:pPr lvl="2" eaLnBrk="1" latinLnBrk="0" hangingPunct="1"/>
             <a:r>
-              <a:rPr lang="en-US" smtClean="0"/>
+              <a:rPr lang="en-US"/>
               <a:t>Third level</a:t>
             </a:r>
           </a:p>
           <a:p>
             <a:pPr lvl="3" eaLnBrk="1" latinLnBrk="0" hangingPunct="1"/>
             <a:r>
-              <a:rPr lang="en-US" smtClean="0"/>
+              <a:rPr lang="en-US"/>
               <a:t>Fourth level</a:t>
             </a:r>
           </a:p>
           <a:p>
             <a:pPr lvl="4" eaLnBrk="1" latinLnBrk="0" hangingPunct="1"/>
             <a:r>
-              <a:rPr lang="en-US" smtClean="0"/>
+              <a:rPr lang="en-US"/>
               <a:t>Fifth level</a:t>
             </a:r>
             <a:endParaRPr kumimoji="0" lang="en-US"/>
@@ -2154,7 +2146,7 @@
           <a:p>
             <a:fld id="{150972B2-CA5C-437D-87D0-8081271A9E4B}" type="datetime2">
               <a:rPr lang="en-US" smtClean="0"/>
-              <a:t>Thursday, May 25, 2017</a:t>
+              <a:t>Sunday, February 25, 2018</a:t>
             </a:fld>
             <a:endParaRPr lang="en-US"/>
           </a:p>
@@ -2239,7 +2231,7 @@
           <a:p>
             <a:pPr lvl="0" eaLnBrk="1" latinLnBrk="0" hangingPunct="1"/>
             <a:r>
-              <a:rPr kumimoji="0" lang="en-US" smtClean="0"/>
+              <a:rPr kumimoji="0" lang="en-US"/>
               <a:t>Click to edit Master text styles</a:t>
             </a:r>
           </a:p>
@@ -2280,7 +2272,7 @@
           <a:p>
             <a:pPr lvl="0" eaLnBrk="1" latinLnBrk="0" hangingPunct="1"/>
             <a:r>
-              <a:rPr kumimoji="0" lang="en-US" smtClean="0"/>
+              <a:rPr kumimoji="0" lang="en-US"/>
               <a:t>Click to edit Master text styles</a:t>
             </a:r>
           </a:p>
@@ -2327,10 +2319,9 @@
           <a:lstStyle/>
           <a:p>
             <a:r>
-              <a:rPr kumimoji="0" lang="en-US" smtClean="0"/>
+              <a:rPr kumimoji="0" lang="en-US"/>
               <a:t>Click to edit Master title style</a:t>
             </a:r>
-            <a:endParaRPr kumimoji="0" lang="en-US"/>
           </a:p>
         </p:txBody>
       </p:sp>
@@ -2351,7 +2342,7 @@
           <a:p>
             <a:fld id="{79CD4847-11EF-4466-A8AD-85CDB7B49118}" type="datetime2">
               <a:rPr lang="en-US" smtClean="0"/>
-              <a:t>Thursday, May 25, 2017</a:t>
+              <a:t>Sunday, February 25, 2018</a:t>
             </a:fld>
             <a:endParaRPr lang="en-US"/>
           </a:p>
@@ -2451,7 +2442,7 @@
           <a:p>
             <a:fld id="{F168457A-3AB9-4880-8A0C-9F8524491207}" type="datetime2">
               <a:rPr lang="en-US" smtClean="0"/>
-              <a:t>Thursday, May 25, 2017</a:t>
+              <a:t>Sunday, February 25, 2018</a:t>
             </a:fld>
             <a:endParaRPr lang="en-US"/>
           </a:p>
@@ -2565,10 +2556,9 @@
           </a:lstStyle>
           <a:p>
             <a:r>
-              <a:rPr kumimoji="0" lang="en-US" smtClean="0"/>
+              <a:rPr kumimoji="0" lang="en-US"/>
               <a:t>Click to edit Master title style</a:t>
             </a:r>
-            <a:endParaRPr kumimoji="0" lang="en-US"/>
           </a:p>
         </p:txBody>
       </p:sp>
@@ -2589,7 +2579,7 @@
           <a:p>
             <a:fld id="{3FE976D3-5B7F-4300-ABED-C91F1B2AE209}" type="datetime2">
               <a:rPr lang="en-US" smtClean="0"/>
-              <a:t>Thursday, May 25, 2017</a:t>
+              <a:t>Sunday, February 25, 2018</a:t>
             </a:fld>
             <a:endParaRPr lang="en-US"/>
           </a:p>
@@ -2715,7 +2705,7 @@
           <a:p>
             <a:pPr lvl="0" eaLnBrk="1" latinLnBrk="0" hangingPunct="1"/>
             <a:r>
-              <a:rPr kumimoji="0" lang="en-US" smtClean="0"/>
+              <a:rPr kumimoji="0" lang="en-US"/>
               <a:t>Click to edit Master text styles</a:t>
             </a:r>
           </a:p>
@@ -2743,35 +2733,35 @@
           <a:p>
             <a:pPr lvl="0" eaLnBrk="1" latinLnBrk="0" hangingPunct="1"/>
             <a:r>
-              <a:rPr lang="en-US" smtClean="0"/>
+              <a:rPr lang="en-US"/>
               <a:t>Click to edit Master text styles</a:t>
             </a:r>
           </a:p>
           <a:p>
             <a:pPr lvl="1" eaLnBrk="1" latinLnBrk="0" hangingPunct="1"/>
             <a:r>
-              <a:rPr lang="en-US" smtClean="0"/>
+              <a:rPr lang="en-US"/>
               <a:t>Second level</a:t>
             </a:r>
           </a:p>
           <a:p>
             <a:pPr lvl="2" eaLnBrk="1" latinLnBrk="0" hangingPunct="1"/>
             <a:r>
-              <a:rPr lang="en-US" smtClean="0"/>
+              <a:rPr lang="en-US"/>
               <a:t>Third level</a:t>
             </a:r>
           </a:p>
           <a:p>
             <a:pPr lvl="3" eaLnBrk="1" latinLnBrk="0" hangingPunct="1"/>
             <a:r>
-              <a:rPr lang="en-US" smtClean="0"/>
+              <a:rPr lang="en-US"/>
               <a:t>Fourth level</a:t>
             </a:r>
           </a:p>
           <a:p>
             <a:pPr lvl="4" eaLnBrk="1" latinLnBrk="0" hangingPunct="1"/>
             <a:r>
-              <a:rPr lang="en-US" smtClean="0"/>
+              <a:rPr lang="en-US"/>
               <a:t>Fifth level</a:t>
             </a:r>
             <a:endParaRPr kumimoji="0" lang="en-US"/>
@@ -2856,7 +2846,7 @@
           <a:p>
             <a:pPr lvl="0" eaLnBrk="1" latinLnBrk="0" hangingPunct="1"/>
             <a:r>
-              <a:rPr kumimoji="0" lang="en-US" smtClean="0"/>
+              <a:rPr kumimoji="0" lang="en-US"/>
               <a:t>Click to edit Master text styles</a:t>
             </a:r>
           </a:p>
@@ -3034,10 +3024,9 @@
           </a:lstStyle>
           <a:p>
             <a:r>
-              <a:rPr kumimoji="0" lang="en-US" smtClean="0"/>
+              <a:rPr kumimoji="0" lang="en-US"/>
               <a:t>Click to edit Master title style</a:t>
             </a:r>
-            <a:endParaRPr kumimoji="0" lang="en-US"/>
           </a:p>
         </p:txBody>
       </p:sp>
@@ -3109,7 +3098,7 @@
           <a:p>
             <a:fld id="{EBDC1E59-17DD-41CE-97CA-624A472382D4}" type="datetime2">
               <a:rPr lang="en-US" smtClean="0"/>
-              <a:t>Thursday, May 25, 2017</a:t>
+              <a:t>Sunday, February 25, 2018</a:t>
             </a:fld>
             <a:endParaRPr lang="en-US"/>
           </a:p>
@@ -3207,7 +3196,7 @@
           </a:lstStyle>
           <a:p>
             <a:r>
-              <a:rPr kumimoji="0" lang="en-US" smtClean="0"/>
+              <a:rPr kumimoji="0" lang="en-US"/>
               <a:t>Drag picture to placeholder or click icon to add</a:t>
             </a:r>
             <a:endParaRPr kumimoji="0" lang="en-US" dirty="0"/>
@@ -3270,10 +3259,9 @@
           <a:lstStyle/>
           <a:p>
             <a:r>
-              <a:rPr kumimoji="0" lang="en-US" dirty="0" smtClean="0"/>
+              <a:rPr kumimoji="0" lang="en-US" dirty="0"/>
               <a:t>Click to edit Master title style</a:t>
             </a:r>
-            <a:endParaRPr kumimoji="0" lang="en-US" dirty="0"/>
           </a:p>
         </p:txBody>
       </p:sp>
@@ -3304,38 +3292,37 @@
           <a:p>
             <a:pPr lvl="0" eaLnBrk="1" latinLnBrk="0" hangingPunct="1"/>
             <a:r>
-              <a:rPr kumimoji="0" lang="en-US" dirty="0" smtClean="0"/>
+              <a:rPr kumimoji="0" lang="en-US" dirty="0"/>
               <a:t>Click to edit Master text styles</a:t>
             </a:r>
           </a:p>
           <a:p>
             <a:pPr lvl="1" eaLnBrk="1" latinLnBrk="0" hangingPunct="1"/>
             <a:r>
-              <a:rPr kumimoji="0" lang="en-US" dirty="0" smtClean="0"/>
+              <a:rPr kumimoji="0" lang="en-US" dirty="0"/>
               <a:t>Second level</a:t>
             </a:r>
           </a:p>
           <a:p>
             <a:pPr lvl="2" eaLnBrk="1" latinLnBrk="0" hangingPunct="1"/>
             <a:r>
-              <a:rPr kumimoji="0" lang="en-US" dirty="0" smtClean="0"/>
+              <a:rPr kumimoji="0" lang="en-US" dirty="0"/>
               <a:t>Third level</a:t>
             </a:r>
           </a:p>
           <a:p>
             <a:pPr lvl="3" eaLnBrk="1" latinLnBrk="0" hangingPunct="1"/>
             <a:r>
-              <a:rPr kumimoji="0" lang="en-US" dirty="0" smtClean="0"/>
+              <a:rPr kumimoji="0" lang="en-US" dirty="0"/>
               <a:t>Fourth level</a:t>
             </a:r>
           </a:p>
           <a:p>
             <a:pPr lvl="4" eaLnBrk="1" latinLnBrk="0" hangingPunct="1"/>
             <a:r>
-              <a:rPr kumimoji="0" lang="en-US" dirty="0" smtClean="0"/>
+              <a:rPr kumimoji="0" lang="en-US" dirty="0"/>
               <a:t>Fifth level</a:t>
             </a:r>
-            <a:endParaRPr kumimoji="0" lang="en-US" dirty="0"/>
           </a:p>
         </p:txBody>
       </p:sp>
@@ -3372,7 +3359,7 @@
           <a:p>
             <a:fld id="{A80CB818-7379-467D-8E76-EF9D9074A26C}" type="datetime2">
               <a:rPr lang="en-US" smtClean="0"/>
-              <a:t>Thursday, May 25, 2017</a:t>
+              <a:t>Sunday, February 25, 2018</a:t>
             </a:fld>
             <a:endParaRPr lang="en-US" dirty="0"/>
           </a:p>
@@ -3932,18 +3919,17 @@
           <a:lstStyle/>
           <a:p>
             <a:r>
-              <a:rPr lang="en-US" dirty="0" smtClean="0"/>
+              <a:rPr lang="en-US" dirty="0"/>
               <a:t>Scripting, </a:t>
             </a:r>
             <a:r>
-              <a:rPr lang="en-US" dirty="0" err="1" smtClean="0"/>
+              <a:rPr lang="en-US" dirty="0" err="1"/>
               <a:t>PARAllelization</a:t>
             </a:r>
             <a:r>
-              <a:rPr lang="en-US" dirty="0" smtClean="0"/>
+              <a:rPr lang="en-US" dirty="0"/>
               <a:t>, CONTAINERIZATIN and pipelines</a:t>
             </a:r>
-            <a:endParaRPr lang="en-US" dirty="0"/>
           </a:p>
         </p:txBody>
       </p:sp>
@@ -3963,10 +3949,9 @@
           <a:lstStyle/>
           <a:p>
             <a:r>
-              <a:rPr lang="en-US" dirty="0" smtClean="0"/>
+              <a:rPr lang="en-US" dirty="0"/>
               <a:t>John Didion, PhD</a:t>
             </a:r>
-            <a:endParaRPr lang="en-US" dirty="0"/>
           </a:p>
         </p:txBody>
       </p:sp>
@@ -3980,13 +3965,6 @@
   <p:clrMapOvr>
     <a:masterClrMapping/>
   </p:clrMapOvr>
-  <p:timing>
-    <p:tnLst>
-      <p:par>
-        <p:cTn id="1" dur="indefinite" restart="never" nodeType="tmRoot"/>
-      </p:par>
-    </p:tnLst>
-  </p:timing>
 </p:sld>
 </file>
 
@@ -4026,10 +4004,9 @@
           <a:p>
             <a:pPr algn="ctr"/>
             <a:r>
-              <a:rPr lang="en-US" dirty="0" smtClean="0"/>
+              <a:rPr lang="en-US" dirty="0"/>
               <a:t>SCRIPTING</a:t>
             </a:r>
-            <a:endParaRPr lang="en-US" dirty="0"/>
           </a:p>
         </p:txBody>
       </p:sp>
@@ -4059,7 +4036,7 @@
               <a:buNone/>
             </a:pPr>
             <a:r>
-              <a:rPr lang="en-US" u="sng" dirty="0" smtClean="0"/>
+              <a:rPr lang="en-US" u="sng" dirty="0"/>
               <a:t>For Loops and Conditional statements</a:t>
             </a:r>
           </a:p>
@@ -4068,7 +4045,7 @@
               <a:buNone/>
             </a:pPr>
             <a:r>
-              <a:rPr lang="en-US" sz="2400" dirty="0" smtClean="0">
+              <a:rPr lang="en-US" sz="2400" dirty="0">
                 <a:latin typeface="Courier" charset="0"/>
                 <a:ea typeface="Courier" charset="0"/>
                 <a:cs typeface="Courier" charset="0"/>
@@ -4081,7 +4058,7 @@
               <a:buNone/>
             </a:pPr>
             <a:r>
-              <a:rPr lang="en-US" sz="2400" dirty="0" smtClean="0">
+              <a:rPr lang="en-US" sz="2400" dirty="0">
                 <a:latin typeface="Courier" charset="0"/>
                 <a:ea typeface="Courier" charset="0"/>
                 <a:cs typeface="Courier" charset="0"/>
@@ -4094,7 +4071,7 @@
               <a:buNone/>
             </a:pPr>
             <a:r>
-              <a:rPr lang="en-US" sz="2400" dirty="0" smtClean="0">
+              <a:rPr lang="en-US" sz="2400" dirty="0">
                 <a:latin typeface="Courier" charset="0"/>
                 <a:ea typeface="Courier" charset="0"/>
                 <a:cs typeface="Courier" charset="0"/>
@@ -4107,7 +4084,7 @@
               <a:buNone/>
             </a:pPr>
             <a:r>
-              <a:rPr lang="en-US" sz="2400" dirty="0" smtClean="0">
+              <a:rPr lang="en-US" sz="2400" dirty="0">
                 <a:latin typeface="Courier" charset="0"/>
                 <a:ea typeface="Courier" charset="0"/>
                 <a:cs typeface="Courier" charset="0"/>
@@ -4115,7 +4092,7 @@
               <a:t>for </a:t>
             </a:r>
             <a:r>
-              <a:rPr lang="en-US" sz="2400" i="1" dirty="0" smtClean="0">
+              <a:rPr lang="en-US" sz="2400" i="1" dirty="0">
                 <a:latin typeface="Courier" charset="0"/>
                 <a:ea typeface="Courier" charset="0"/>
                 <a:cs typeface="Courier" charset="0"/>
@@ -4123,7 +4100,7 @@
               <a:t>VAR</a:t>
             </a:r>
             <a:r>
-              <a:rPr lang="en-US" sz="2400" dirty="0" smtClean="0">
+              <a:rPr lang="en-US" sz="2400" dirty="0">
                 <a:latin typeface="Courier" charset="0"/>
                 <a:ea typeface="Courier" charset="0"/>
                 <a:cs typeface="Courier" charset="0"/>
@@ -4131,14 +4108,14 @@
               <a:t> in </a:t>
             </a:r>
             <a:r>
-              <a:rPr lang="en-US" sz="2400" i="1" dirty="0" smtClean="0">
+              <a:rPr lang="en-US" sz="2400" i="1" dirty="0">
                 <a:latin typeface="Courier" charset="0"/>
                 <a:ea typeface="Courier" charset="0"/>
                 <a:cs typeface="Courier" charset="0"/>
               </a:rPr>
               <a:t>SET</a:t>
             </a:r>
-            <a:endParaRPr lang="en-US" sz="2400" dirty="0" smtClean="0">
+            <a:endParaRPr lang="en-US" sz="2400" dirty="0">
               <a:latin typeface="Courier" charset="0"/>
               <a:ea typeface="Courier" charset="0"/>
               <a:cs typeface="Courier" charset="0"/>
@@ -4149,7 +4126,7 @@
               <a:buNone/>
             </a:pPr>
             <a:r>
-              <a:rPr lang="en-US" sz="2400" dirty="0" smtClean="0">
+              <a:rPr lang="en-US" sz="2400" dirty="0">
                 <a:latin typeface="Courier" charset="0"/>
                 <a:ea typeface="Courier" charset="0"/>
                 <a:cs typeface="Courier" charset="0"/>
@@ -4162,7 +4139,7 @@
               <a:buNone/>
             </a:pPr>
             <a:r>
-              <a:rPr lang="en-US" sz="2400" dirty="0" smtClean="0">
+              <a:rPr lang="en-US" sz="2400" dirty="0">
                 <a:latin typeface="Courier" charset="0"/>
                 <a:ea typeface="Courier" charset="0"/>
                 <a:cs typeface="Courier" charset="0"/>
@@ -4170,7 +4147,7 @@
               <a:t>  </a:t>
             </a:r>
             <a:r>
-              <a:rPr lang="en-US" sz="2400" i="1" dirty="0" smtClean="0">
+              <a:rPr lang="en-US" sz="2400" i="1" dirty="0">
                 <a:latin typeface="Courier" charset="0"/>
                 <a:ea typeface="Courier" charset="0"/>
                 <a:cs typeface="Courier" charset="0"/>
@@ -4188,25 +4165,17 @@
                 <a:ea typeface="Courier" charset="0"/>
                 <a:cs typeface="Courier" charset="0"/>
               </a:rPr>
-              <a:t> </a:t>
-            </a:r>
-            <a:r>
-              <a:rPr lang="en-US" sz="2400" dirty="0" smtClean="0">
-                <a:latin typeface="Courier" charset="0"/>
-                <a:ea typeface="Courier" charset="0"/>
-                <a:cs typeface="Courier" charset="0"/>
-              </a:rPr>
-              <a:t> </a:t>
-            </a:r>
-            <a:r>
-              <a:rPr lang="en-US" sz="2400" i="1" dirty="0" smtClean="0">
+              <a:t>  </a:t>
+            </a:r>
+            <a:r>
+              <a:rPr lang="en-US" sz="2400" i="1" dirty="0">
                 <a:latin typeface="Courier" charset="0"/>
                 <a:ea typeface="Courier" charset="0"/>
                 <a:cs typeface="Courier" charset="0"/>
               </a:rPr>
               <a:t>command 2</a:t>
             </a:r>
-            <a:endParaRPr lang="en-US" sz="2400" dirty="0" smtClean="0">
+            <a:endParaRPr lang="en-US" sz="2400" dirty="0">
               <a:latin typeface="Courier" charset="0"/>
               <a:ea typeface="Courier" charset="0"/>
               <a:cs typeface="Courier" charset="0"/>
@@ -4222,25 +4191,17 @@
                 <a:ea typeface="Courier" charset="0"/>
                 <a:cs typeface="Courier" charset="0"/>
               </a:rPr>
-              <a:t> </a:t>
-            </a:r>
-            <a:r>
-              <a:rPr lang="en-US" sz="2400" i="1" dirty="0" smtClean="0">
-                <a:latin typeface="Courier" charset="0"/>
-                <a:ea typeface="Courier" charset="0"/>
-                <a:cs typeface="Courier" charset="0"/>
-              </a:rPr>
-              <a:t> </a:t>
-            </a:r>
-            <a:r>
-              <a:rPr lang="mr-IN" sz="2400" i="1" dirty="0" smtClean="0">
+              <a:t>  </a:t>
+            </a:r>
+            <a:r>
+              <a:rPr lang="mr-IN" sz="2400" i="1" dirty="0">
                 <a:latin typeface="Courier" charset="0"/>
                 <a:ea typeface="Courier" charset="0"/>
                 <a:cs typeface="Courier" charset="0"/>
               </a:rPr>
               <a:t>…</a:t>
             </a:r>
-            <a:endParaRPr lang="en-US" sz="2400" i="1" dirty="0" smtClean="0">
+            <a:endParaRPr lang="en-US" sz="2400" i="1" dirty="0">
               <a:latin typeface="Courier" charset="0"/>
               <a:ea typeface="Courier" charset="0"/>
               <a:cs typeface="Courier" charset="0"/>
@@ -4251,7 +4212,7 @@
               <a:buNone/>
             </a:pPr>
             <a:r>
-              <a:rPr lang="en-US" sz="2400" dirty="0" smtClean="0">
+              <a:rPr lang="en-US" sz="2400" dirty="0">
                 <a:latin typeface="Courier" charset="0"/>
                 <a:ea typeface="Courier" charset="0"/>
                 <a:cs typeface="Courier" charset="0"/>
@@ -4271,21 +4232,6 @@
   <p:clrMapOvr>
     <a:masterClrMapping/>
   </p:clrMapOvr>
-  <mc:AlternateContent xmlns:mc="http://schemas.openxmlformats.org/markup-compatibility/2006" xmlns:p14="http://schemas.microsoft.com/office/powerpoint/2010/main">
-    <mc:Choice Requires="p14">
-      <p:transition spd="slow" p14:dur="2000"/>
-    </mc:Choice>
-    <mc:Fallback xmlns="">
-      <p:transition xmlns:p14="http://schemas.microsoft.com/office/powerpoint/2010/main" spd="slow"/>
-    </mc:Fallback>
-  </mc:AlternateContent>
-  <p:timing>
-    <p:tnLst>
-      <p:par>
-        <p:cTn id="1" dur="indefinite" restart="never" nodeType="tmRoot"/>
-      </p:par>
-    </p:tnLst>
-  </p:timing>
 </p:sld>
 </file>
 
@@ -4325,10 +4271,9 @@
           <a:p>
             <a:pPr algn="ctr"/>
             <a:r>
-              <a:rPr lang="en-US" dirty="0" smtClean="0"/>
+              <a:rPr lang="en-US" dirty="0"/>
               <a:t>SCRIPTING</a:t>
             </a:r>
-            <a:endParaRPr lang="en-US" dirty="0"/>
           </a:p>
         </p:txBody>
       </p:sp>
@@ -4358,7 +4303,7 @@
               <a:buNone/>
             </a:pPr>
             <a:r>
-              <a:rPr lang="en-US" u="sng" dirty="0" smtClean="0"/>
+              <a:rPr lang="en-US" u="sng" dirty="0"/>
               <a:t>For Loops and Conditional statements</a:t>
             </a:r>
           </a:p>
@@ -4367,7 +4312,7 @@
               <a:buNone/>
             </a:pPr>
             <a:r>
-              <a:rPr lang="en-US" sz="2400" dirty="0" smtClean="0">
+              <a:rPr lang="en-US" sz="2400" dirty="0">
                 <a:latin typeface="Courier" charset="0"/>
                 <a:ea typeface="Courier" charset="0"/>
                 <a:cs typeface="Courier" charset="0"/>
@@ -4375,7 +4320,7 @@
               <a:t># </a:t>
             </a:r>
             <a:r>
-              <a:rPr lang="en-US" sz="2400" i="1" dirty="0" smtClean="0">
+              <a:rPr lang="en-US" sz="2400" i="1" dirty="0">
                 <a:latin typeface="Courier" charset="0"/>
                 <a:ea typeface="Courier" charset="0"/>
                 <a:cs typeface="Courier" charset="0"/>
@@ -4383,7 +4328,7 @@
               <a:t>VAR</a:t>
             </a:r>
             <a:r>
-              <a:rPr lang="en-US" sz="2400" dirty="0" smtClean="0">
+              <a:rPr lang="en-US" sz="2400" dirty="0">
                 <a:latin typeface="Courier" charset="0"/>
                 <a:ea typeface="Courier" charset="0"/>
                 <a:cs typeface="Courier" charset="0"/>
@@ -4391,7 +4336,7 @@
               <a:t> takes on a successive value in </a:t>
             </a:r>
             <a:r>
-              <a:rPr lang="en-US" sz="2400" i="1" dirty="0" smtClean="0">
+              <a:rPr lang="en-US" sz="2400" i="1" dirty="0">
                 <a:latin typeface="Courier" charset="0"/>
                 <a:ea typeface="Courier" charset="0"/>
                 <a:cs typeface="Courier" charset="0"/>
@@ -4399,7 +4344,7 @@
               <a:t>SET</a:t>
             </a:r>
             <a:r>
-              <a:rPr lang="en-US" sz="2400" dirty="0" smtClean="0">
+              <a:rPr lang="en-US" sz="2400" dirty="0">
                 <a:latin typeface="Courier" charset="0"/>
                 <a:ea typeface="Courier" charset="0"/>
                 <a:cs typeface="Courier" charset="0"/>
@@ -4412,7 +4357,7 @@
               <a:buNone/>
             </a:pPr>
             <a:r>
-              <a:rPr lang="en-US" sz="2400" dirty="0" smtClean="0">
+              <a:rPr lang="en-US" sz="2400" dirty="0">
                 <a:latin typeface="Courier" charset="0"/>
                 <a:ea typeface="Courier" charset="0"/>
                 <a:cs typeface="Courier" charset="0"/>
@@ -4425,7 +4370,7 @@
               <a:buNone/>
             </a:pPr>
             <a:r>
-              <a:rPr lang="en-US" sz="2400" dirty="0" smtClean="0">
+              <a:rPr lang="en-US" sz="2400" dirty="0">
                 <a:latin typeface="Courier" charset="0"/>
                 <a:ea typeface="Courier" charset="0"/>
                 <a:cs typeface="Courier" charset="0"/>
@@ -4433,67 +4378,12 @@
               <a:t>for FILE in input/*.</a:t>
             </a:r>
             <a:r>
-              <a:rPr lang="en-US" sz="2400" dirty="0" err="1" smtClean="0">
+              <a:rPr lang="en-US" sz="2400" dirty="0" err="1">
                 <a:latin typeface="Courier" charset="0"/>
                 <a:ea typeface="Courier" charset="0"/>
                 <a:cs typeface="Courier" charset="0"/>
               </a:rPr>
               <a:t>fastq</a:t>
-            </a:r>
-            <a:endParaRPr lang="en-US" sz="2400" dirty="0" smtClean="0">
-              <a:latin typeface="Courier" charset="0"/>
-              <a:ea typeface="Courier" charset="0"/>
-              <a:cs typeface="Courier" charset="0"/>
-            </a:endParaRPr>
-          </a:p>
-          <a:p>
-            <a:pPr marL="0" indent="0">
-              <a:buNone/>
-            </a:pPr>
-            <a:r>
-              <a:rPr lang="en-US" sz="2400" dirty="0" smtClean="0">
-                <a:latin typeface="Courier" charset="0"/>
-                <a:ea typeface="Courier" charset="0"/>
-                <a:cs typeface="Courier" charset="0"/>
-              </a:rPr>
-              <a:t>do</a:t>
-            </a:r>
-          </a:p>
-          <a:p>
-            <a:pPr marL="0" indent="0">
-              <a:buNone/>
-            </a:pPr>
-            <a:r>
-              <a:rPr lang="en-US" sz="2400" dirty="0">
-                <a:latin typeface="Courier" charset="0"/>
-                <a:ea typeface="Courier" charset="0"/>
-                <a:cs typeface="Courier" charset="0"/>
-              </a:rPr>
-              <a:t>  </a:t>
-            </a:r>
-            <a:r>
-              <a:rPr lang="en-US" sz="2400" dirty="0" smtClean="0">
-                <a:latin typeface="Courier" charset="0"/>
-                <a:ea typeface="Courier" charset="0"/>
-                <a:cs typeface="Courier" charset="0"/>
-              </a:rPr>
-              <a:t>NAME=`${</a:t>
-            </a:r>
-            <a:r>
-              <a:rPr lang="en-US" sz="2400" dirty="0">
-                <a:latin typeface="Courier" charset="0"/>
-                <a:ea typeface="Courier" charset="0"/>
-                <a:cs typeface="Courier" charset="0"/>
-              </a:rPr>
-              <a:t>filename</a:t>
-            </a:r>
-            <a:r>
-              <a:rPr lang="en-US" sz="2400" dirty="0" smtClean="0">
-                <a:latin typeface="Courier" charset="0"/>
-                <a:ea typeface="Courier" charset="0"/>
-                <a:cs typeface="Courier" charset="0"/>
-              </a:rPr>
-              <a:t>%.*}`</a:t>
             </a:r>
             <a:endParaRPr lang="en-US" sz="2400" dirty="0">
               <a:latin typeface="Courier" charset="0"/>
@@ -4506,7 +4396,33 @@
               <a:buNone/>
             </a:pPr>
             <a:r>
-              <a:rPr lang="en-US" sz="2400" dirty="0" smtClean="0">
+              <a:rPr lang="en-US" sz="2400" dirty="0">
+                <a:latin typeface="Courier" charset="0"/>
+                <a:ea typeface="Courier" charset="0"/>
+                <a:cs typeface="Courier" charset="0"/>
+              </a:rPr>
+              <a:t>do</a:t>
+            </a:r>
+          </a:p>
+          <a:p>
+            <a:pPr marL="0" indent="0">
+              <a:buNone/>
+            </a:pPr>
+            <a:r>
+              <a:rPr lang="en-US" sz="2400" dirty="0">
+                <a:latin typeface="Courier" charset="0"/>
+                <a:ea typeface="Courier" charset="0"/>
+                <a:cs typeface="Courier" charset="0"/>
+              </a:rPr>
+              <a:t>  NAME=`${filename%.*}`</a:t>
+            </a:r>
+          </a:p>
+          <a:p>
+            <a:pPr marL="0" indent="0">
+              <a:buNone/>
+            </a:pPr>
+            <a:r>
+              <a:rPr lang="en-US" sz="2400" dirty="0">
                 <a:latin typeface="Courier" charset="0"/>
                 <a:ea typeface="Courier" charset="0"/>
                 <a:cs typeface="Courier" charset="0"/>
@@ -4519,7 +4435,7 @@
               <a:buNone/>
             </a:pPr>
             <a:r>
-              <a:rPr lang="en-US" sz="2400" dirty="0" smtClean="0">
+              <a:rPr lang="en-US" sz="2400" dirty="0">
                 <a:latin typeface="Courier" charset="0"/>
                 <a:ea typeface="Courier" charset="0"/>
                 <a:cs typeface="Courier" charset="0"/>
@@ -4531,40 +4447,6 @@
             <a:pPr marL="0" indent="0">
               <a:buNone/>
             </a:pPr>
-            <a:endParaRPr lang="en-US" sz="2400" dirty="0" smtClean="0">
-              <a:latin typeface="Courier" charset="0"/>
-              <a:ea typeface="Courier" charset="0"/>
-              <a:cs typeface="Courier" charset="0"/>
-            </a:endParaRPr>
-          </a:p>
-          <a:p>
-            <a:pPr marL="0" indent="0">
-              <a:buNone/>
-            </a:pPr>
-            <a:r>
-              <a:rPr lang="en-US" sz="2400" dirty="0" smtClean="0">
-                <a:latin typeface="Courier" charset="0"/>
-                <a:ea typeface="Courier" charset="0"/>
-                <a:cs typeface="Courier" charset="0"/>
-              </a:rPr>
-              <a:t># </a:t>
-            </a:r>
-            <a:r>
-              <a:rPr lang="en-US" sz="2400" i="1" dirty="0" smtClean="0">
-                <a:latin typeface="Courier" charset="0"/>
-                <a:ea typeface="Courier" charset="0"/>
-                <a:cs typeface="Courier" charset="0"/>
-              </a:rPr>
-              <a:t>SET</a:t>
-            </a:r>
-            <a:r>
-              <a:rPr lang="en-US" sz="2400" dirty="0" smtClean="0">
-                <a:latin typeface="Courier" charset="0"/>
-                <a:ea typeface="Courier" charset="0"/>
-                <a:cs typeface="Courier" charset="0"/>
-              </a:rPr>
-              <a:t> can also be a range, such as chromosomes</a:t>
-            </a:r>
             <a:endParaRPr lang="en-US" sz="2400" dirty="0">
               <a:latin typeface="Courier" charset="0"/>
               <a:ea typeface="Courier" charset="0"/>
@@ -4576,7 +4458,36 @@
               <a:buNone/>
             </a:pPr>
             <a:r>
-              <a:rPr lang="en-US" sz="2400" dirty="0" smtClean="0">
+              <a:rPr lang="en-US" sz="2400" dirty="0">
+                <a:latin typeface="Courier" charset="0"/>
+                <a:ea typeface="Courier" charset="0"/>
+                <a:cs typeface="Courier" charset="0"/>
+              </a:rPr>
+              <a:t># </a:t>
+            </a:r>
+            <a:r>
+              <a:rPr lang="en-US" sz="2400" i="1" dirty="0">
+                <a:latin typeface="Courier" charset="0"/>
+                <a:ea typeface="Courier" charset="0"/>
+                <a:cs typeface="Courier" charset="0"/>
+              </a:rPr>
+              <a:t>SET</a:t>
+            </a:r>
+            <a:r>
+              <a:rPr lang="en-US" sz="2400" dirty="0">
+                <a:latin typeface="Courier" charset="0"/>
+                <a:ea typeface="Courier" charset="0"/>
+                <a:cs typeface="Courier" charset="0"/>
+              </a:rPr>
+              <a:t> can also be a range, such as chromosomes</a:t>
+            </a:r>
+          </a:p>
+          <a:p>
+            <a:pPr marL="0" indent="0">
+              <a:buNone/>
+            </a:pPr>
+            <a:r>
+              <a:rPr lang="en-US" sz="2400" dirty="0">
                 <a:latin typeface="Courier" charset="0"/>
                 <a:ea typeface="Courier" charset="0"/>
                 <a:cs typeface="Courier" charset="0"/>
@@ -4589,7 +4500,7 @@
               <a:buNone/>
             </a:pPr>
             <a:r>
-              <a:rPr lang="en-US" sz="2400" dirty="0" smtClean="0">
+              <a:rPr lang="en-US" sz="2400" dirty="0">
                 <a:latin typeface="Courier" charset="0"/>
                 <a:ea typeface="Courier" charset="0"/>
                 <a:cs typeface="Courier" charset="0"/>
@@ -4607,18 +4518,10 @@
                 <a:ea typeface="Courier" charset="0"/>
                 <a:cs typeface="Courier" charset="0"/>
               </a:rPr>
-              <a:t> </a:t>
-            </a:r>
-            <a:r>
-              <a:rPr lang="en-US" sz="2400" dirty="0" smtClean="0">
-                <a:latin typeface="Courier" charset="0"/>
-                <a:ea typeface="Courier" charset="0"/>
-                <a:cs typeface="Courier" charset="0"/>
-              </a:rPr>
-              <a:t> plink --</a:t>
-            </a:r>
-            <a:r>
-              <a:rPr lang="en-US" sz="2400" dirty="0" err="1" smtClean="0">
+              <a:t>  plink --</a:t>
+            </a:r>
+            <a:r>
+              <a:rPr lang="en-US" sz="2400" dirty="0" err="1">
                 <a:latin typeface="Courier" charset="0"/>
                 <a:ea typeface="Courier" charset="0"/>
                 <a:cs typeface="Courier" charset="0"/>
@@ -4626,7 +4529,7 @@
               <a:t>chr</a:t>
             </a:r>
             <a:r>
-              <a:rPr lang="en-US" sz="2400" dirty="0" smtClean="0">
+              <a:rPr lang="en-US" sz="2400" dirty="0">
                 <a:latin typeface="Courier" charset="0"/>
                 <a:ea typeface="Courier" charset="0"/>
                 <a:cs typeface="Courier" charset="0"/>
@@ -4634,7 +4537,7 @@
               <a:t> $CHR --make-bed --out </a:t>
             </a:r>
             <a:r>
-              <a:rPr lang="en-US" sz="2400" dirty="0" err="1" smtClean="0">
+              <a:rPr lang="en-US" sz="2400" dirty="0" err="1">
                 <a:latin typeface="Courier" charset="0"/>
                 <a:ea typeface="Courier" charset="0"/>
                 <a:cs typeface="Courier" charset="0"/>
@@ -4642,7 +4545,7 @@
               <a:t>chr</a:t>
             </a:r>
             <a:r>
-              <a:rPr lang="en-US" sz="2400" dirty="0" smtClean="0">
+              <a:rPr lang="en-US" sz="2400" dirty="0">
                 <a:latin typeface="Courier" charset="0"/>
                 <a:ea typeface="Courier" charset="0"/>
                 <a:cs typeface="Courier" charset="0"/>
@@ -4655,7 +4558,7 @@
               <a:buNone/>
             </a:pPr>
             <a:r>
-              <a:rPr lang="en-US" sz="2400" dirty="0" smtClean="0">
+              <a:rPr lang="en-US" sz="2400" dirty="0">
                 <a:latin typeface="Courier" charset="0"/>
                 <a:ea typeface="Courier" charset="0"/>
                 <a:cs typeface="Courier" charset="0"/>
@@ -4675,21 +4578,6 @@
   <p:clrMapOvr>
     <a:masterClrMapping/>
   </p:clrMapOvr>
-  <mc:AlternateContent xmlns:mc="http://schemas.openxmlformats.org/markup-compatibility/2006" xmlns:p14="http://schemas.microsoft.com/office/powerpoint/2010/main">
-    <mc:Choice Requires="p14">
-      <p:transition spd="slow" p14:dur="2000"/>
-    </mc:Choice>
-    <mc:Fallback xmlns="">
-      <p:transition xmlns:p14="http://schemas.microsoft.com/office/powerpoint/2010/main" spd="slow"/>
-    </mc:Fallback>
-  </mc:AlternateContent>
-  <p:timing>
-    <p:tnLst>
-      <p:par>
-        <p:cTn id="1" dur="indefinite" restart="never" nodeType="tmRoot"/>
-      </p:par>
-    </p:tnLst>
-  </p:timing>
 </p:sld>
 </file>
 
@@ -4729,10 +4617,9 @@
           <a:p>
             <a:pPr algn="ctr"/>
             <a:r>
-              <a:rPr lang="en-US" dirty="0" smtClean="0"/>
+              <a:rPr lang="en-US" dirty="0"/>
               <a:t>SCRIPTING</a:t>
             </a:r>
-            <a:endParaRPr lang="en-US" dirty="0"/>
           </a:p>
         </p:txBody>
       </p:sp>
@@ -4762,7 +4649,7 @@
               <a:buNone/>
             </a:pPr>
             <a:r>
-              <a:rPr lang="en-US" u="sng" dirty="0" smtClean="0"/>
+              <a:rPr lang="en-US" u="sng" dirty="0"/>
               <a:t>For Loops and Conditional statements</a:t>
             </a:r>
           </a:p>
@@ -4771,7 +4658,7 @@
               <a:buNone/>
             </a:pPr>
             <a:r>
-              <a:rPr lang="en-US" sz="2400" dirty="0" smtClean="0">
+              <a:rPr lang="en-US" sz="2400" dirty="0">
                 <a:latin typeface="Courier" charset="0"/>
                 <a:ea typeface="Courier" charset="0"/>
                 <a:cs typeface="Courier" charset="0"/>
@@ -4784,28 +4671,12 @@
               <a:buNone/>
             </a:pPr>
             <a:r>
-              <a:rPr lang="en-US" sz="2400" dirty="0" smtClean="0">
-                <a:latin typeface="Courier" charset="0"/>
-                <a:ea typeface="Courier" charset="0"/>
-                <a:cs typeface="Courier" charset="0"/>
-              </a:rPr>
-              <a:t># to</a:t>
-            </a:r>
-            <a:r>
               <a:rPr lang="en-US" sz="2400" dirty="0">
                 <a:latin typeface="Courier" charset="0"/>
                 <a:ea typeface="Courier" charset="0"/>
                 <a:cs typeface="Courier" charset="0"/>
               </a:rPr>
-              <a:t> </a:t>
-            </a:r>
-            <a:r>
-              <a:rPr lang="en-US" sz="2400" dirty="0" smtClean="0">
-                <a:latin typeface="Courier" charset="0"/>
-                <a:ea typeface="Courier" charset="0"/>
-                <a:cs typeface="Courier" charset="0"/>
-              </a:rPr>
-              <a:t>execute a command sometimes</a:t>
+              <a:t># to execute a command sometimes</a:t>
             </a:r>
           </a:p>
           <a:p>
@@ -4813,7 +4684,7 @@
               <a:buNone/>
             </a:pPr>
             <a:r>
-              <a:rPr lang="en-US" sz="2400" dirty="0" smtClean="0">
+              <a:rPr lang="en-US" sz="2400" dirty="0">
                 <a:latin typeface="Courier" charset="0"/>
                 <a:ea typeface="Courier" charset="0"/>
                 <a:cs typeface="Courier" charset="0"/>
@@ -4821,7 +4692,7 @@
               <a:t>if [ </a:t>
             </a:r>
             <a:r>
-              <a:rPr lang="en-US" sz="2400" i="1" dirty="0" smtClean="0">
+              <a:rPr lang="en-US" sz="2400" i="1" dirty="0">
                 <a:latin typeface="Courier" charset="0"/>
                 <a:ea typeface="Courier" charset="0"/>
                 <a:cs typeface="Courier" charset="0"/>
@@ -4829,7 +4700,7 @@
               <a:t>CONDITION </a:t>
             </a:r>
             <a:r>
-              <a:rPr lang="en-US" sz="2400" dirty="0" smtClean="0">
+              <a:rPr lang="en-US" sz="2400" dirty="0">
                 <a:latin typeface="Courier" charset="0"/>
                 <a:ea typeface="Courier" charset="0"/>
                 <a:cs typeface="Courier" charset="0"/>
@@ -4842,7 +4713,7 @@
               <a:buNone/>
             </a:pPr>
             <a:r>
-              <a:rPr lang="en-US" sz="2400" dirty="0" smtClean="0">
+              <a:rPr lang="en-US" sz="2400" dirty="0">
                 <a:latin typeface="Courier" charset="0"/>
                 <a:ea typeface="Courier" charset="0"/>
                 <a:cs typeface="Courier" charset="0"/>
@@ -4855,7 +4726,7 @@
               <a:buNone/>
             </a:pPr>
             <a:r>
-              <a:rPr lang="en-US" sz="2400" dirty="0" smtClean="0">
+              <a:rPr lang="en-US" sz="2400" dirty="0">
                 <a:latin typeface="Courier" charset="0"/>
                 <a:ea typeface="Courier" charset="0"/>
                 <a:cs typeface="Courier" charset="0"/>
@@ -4863,7 +4734,7 @@
               <a:t>  </a:t>
             </a:r>
             <a:r>
-              <a:rPr lang="en-US" sz="2400" i="1" dirty="0" smtClean="0">
+              <a:rPr lang="en-US" sz="2400" i="1" dirty="0">
                 <a:latin typeface="Courier" charset="0"/>
                 <a:ea typeface="Courier" charset="0"/>
                 <a:cs typeface="Courier" charset="0"/>
@@ -4881,15 +4752,7 @@
                 <a:ea typeface="Courier" charset="0"/>
                 <a:cs typeface="Courier" charset="0"/>
               </a:rPr>
-              <a:t> </a:t>
-            </a:r>
-            <a:r>
-              <a:rPr lang="en-US" sz="2400" i="1" dirty="0" smtClean="0">
-                <a:latin typeface="Courier" charset="0"/>
-                <a:ea typeface="Courier" charset="0"/>
-                <a:cs typeface="Courier" charset="0"/>
-              </a:rPr>
-              <a:t> command2</a:t>
+              <a:t>  command2</a:t>
             </a:r>
           </a:p>
           <a:p>
@@ -4902,25 +4765,17 @@
                 <a:ea typeface="Courier" charset="0"/>
                 <a:cs typeface="Courier" charset="0"/>
               </a:rPr>
-              <a:t> </a:t>
-            </a:r>
-            <a:r>
-              <a:rPr lang="en-US" sz="2400" i="1" dirty="0" smtClean="0">
-                <a:latin typeface="Courier" charset="0"/>
-                <a:ea typeface="Courier" charset="0"/>
-                <a:cs typeface="Courier" charset="0"/>
-              </a:rPr>
-              <a:t> </a:t>
-            </a:r>
-            <a:r>
-              <a:rPr lang="mr-IN" sz="2400" i="1" dirty="0" smtClean="0">
+              <a:t>  </a:t>
+            </a:r>
+            <a:r>
+              <a:rPr lang="mr-IN" sz="2400" i="1" dirty="0">
                 <a:latin typeface="Courier" charset="0"/>
                 <a:ea typeface="Courier" charset="0"/>
                 <a:cs typeface="Courier" charset="0"/>
               </a:rPr>
               <a:t>…</a:t>
             </a:r>
-            <a:endParaRPr lang="en-US" sz="2400" i="1" dirty="0" smtClean="0">
+            <a:endParaRPr lang="en-US" sz="2400" i="1" dirty="0">
               <a:latin typeface="Courier" charset="0"/>
               <a:ea typeface="Courier" charset="0"/>
               <a:cs typeface="Courier" charset="0"/>
@@ -4931,7 +4786,7 @@
               <a:buNone/>
             </a:pPr>
             <a:r>
-              <a:rPr lang="en-US" sz="2400" dirty="0" smtClean="0">
+              <a:rPr lang="en-US" sz="2400" dirty="0">
                 <a:latin typeface="Courier" charset="0"/>
                 <a:ea typeface="Courier" charset="0"/>
                 <a:cs typeface="Courier" charset="0"/>
@@ -4951,21 +4806,6 @@
   <p:clrMapOvr>
     <a:masterClrMapping/>
   </p:clrMapOvr>
-  <mc:AlternateContent xmlns:mc="http://schemas.openxmlformats.org/markup-compatibility/2006" xmlns:p14="http://schemas.microsoft.com/office/powerpoint/2010/main">
-    <mc:Choice Requires="p14">
-      <p:transition spd="slow" p14:dur="2000"/>
-    </mc:Choice>
-    <mc:Fallback xmlns="">
-      <p:transition xmlns:p14="http://schemas.microsoft.com/office/powerpoint/2010/main" spd="slow"/>
-    </mc:Fallback>
-  </mc:AlternateContent>
-  <p:timing>
-    <p:tnLst>
-      <p:par>
-        <p:cTn id="1" dur="indefinite" restart="never" nodeType="tmRoot"/>
-      </p:par>
-    </p:tnLst>
-  </p:timing>
 </p:sld>
 </file>
 
@@ -5005,10 +4845,9 @@
           <a:p>
             <a:pPr algn="ctr"/>
             <a:r>
-              <a:rPr lang="en-US" dirty="0" smtClean="0"/>
+              <a:rPr lang="en-US" dirty="0"/>
               <a:t>SCRIPTING</a:t>
             </a:r>
-            <a:endParaRPr lang="en-US" dirty="0"/>
           </a:p>
         </p:txBody>
       </p:sp>
@@ -5038,7 +4877,7 @@
               <a:buNone/>
             </a:pPr>
             <a:r>
-              <a:rPr lang="en-US" u="sng" dirty="0" smtClean="0"/>
+              <a:rPr lang="en-US" u="sng" dirty="0"/>
               <a:t>For Loops and Conditional statements</a:t>
             </a:r>
           </a:p>
@@ -5047,7 +4886,7 @@
               <a:buNone/>
             </a:pPr>
             <a:r>
-              <a:rPr lang="en-US" sz="2400" dirty="0" smtClean="0">
+              <a:rPr lang="en-US" sz="2400" dirty="0">
                 <a:latin typeface="Courier" charset="0"/>
                 <a:ea typeface="Courier" charset="0"/>
                 <a:cs typeface="Courier" charset="0"/>
@@ -5060,7 +4899,7 @@
               <a:buNone/>
             </a:pPr>
             <a:r>
-              <a:rPr lang="en-US" sz="2400" dirty="0" smtClean="0">
+              <a:rPr lang="en-US" sz="2400" dirty="0">
                 <a:latin typeface="Courier" charset="0"/>
                 <a:ea typeface="Courier" charset="0"/>
                 <a:cs typeface="Courier" charset="0"/>
@@ -5073,100 +4912,12 @@
               <a:buNone/>
             </a:pPr>
             <a:r>
-              <a:rPr lang="en-US" sz="2400" dirty="0" smtClean="0">
+              <a:rPr lang="en-US" sz="2400" dirty="0">
                 <a:latin typeface="Courier" charset="0"/>
                 <a:ea typeface="Courier" charset="0"/>
                 <a:cs typeface="Courier" charset="0"/>
               </a:rPr>
               <a:t># comparing numbers versus strings.</a:t>
-            </a:r>
-          </a:p>
-          <a:p>
-            <a:pPr marL="0" indent="0">
-              <a:buNone/>
-            </a:pPr>
-            <a:endParaRPr lang="en-US" sz="2400" dirty="0" smtClean="0">
-              <a:latin typeface="Courier" charset="0"/>
-              <a:ea typeface="Courier" charset="0"/>
-              <a:cs typeface="Courier" charset="0"/>
-            </a:endParaRPr>
-          </a:p>
-          <a:p>
-            <a:pPr marL="0" indent="0">
-              <a:buNone/>
-            </a:pPr>
-            <a:r>
-              <a:rPr lang="en-US" sz="2400" dirty="0" smtClean="0">
-                <a:latin typeface="Courier" charset="0"/>
-                <a:ea typeface="Courier" charset="0"/>
-                <a:cs typeface="Courier" charset="0"/>
-              </a:rPr>
-              <a:t># check if numeric argument is &gt; 100</a:t>
-            </a:r>
-          </a:p>
-          <a:p>
-            <a:pPr marL="0" indent="0">
-              <a:buNone/>
-            </a:pPr>
-            <a:r>
-              <a:rPr lang="en-US" sz="2400" dirty="0" smtClean="0">
-                <a:latin typeface="Courier" charset="0"/>
-                <a:ea typeface="Courier" charset="0"/>
-                <a:cs typeface="Courier" charset="0"/>
-              </a:rPr>
-              <a:t>if [ $1 -</a:t>
-            </a:r>
-            <a:r>
-              <a:rPr lang="en-US" sz="2400" dirty="0" err="1" smtClean="0">
-                <a:latin typeface="Courier" charset="0"/>
-                <a:ea typeface="Courier" charset="0"/>
-                <a:cs typeface="Courier" charset="0"/>
-              </a:rPr>
-              <a:t>gt</a:t>
-            </a:r>
-            <a:r>
-              <a:rPr lang="en-US" sz="2400" dirty="0" smtClean="0">
-                <a:latin typeface="Courier" charset="0"/>
-                <a:ea typeface="Courier" charset="0"/>
-                <a:cs typeface="Courier" charset="0"/>
-              </a:rPr>
-              <a:t> 100 ]</a:t>
-            </a:r>
-          </a:p>
-          <a:p>
-            <a:pPr marL="0" indent="0">
-              <a:buNone/>
-            </a:pPr>
-            <a:endParaRPr lang="en-US" sz="2400" dirty="0" smtClean="0">
-              <a:latin typeface="Courier" charset="0"/>
-              <a:ea typeface="Courier" charset="0"/>
-              <a:cs typeface="Courier" charset="0"/>
-            </a:endParaRPr>
-          </a:p>
-          <a:p>
-            <a:pPr marL="0" indent="0">
-              <a:buNone/>
-            </a:pPr>
-            <a:r>
-              <a:rPr lang="en-US" sz="2400" dirty="0" smtClean="0">
-                <a:latin typeface="Courier" charset="0"/>
-                <a:ea typeface="Courier" charset="0"/>
-                <a:cs typeface="Courier" charset="0"/>
-              </a:rPr>
-              <a:t># check if string argument equals “blueberry”</a:t>
-            </a:r>
-          </a:p>
-          <a:p>
-            <a:pPr marL="0" indent="0">
-              <a:buNone/>
-            </a:pPr>
-            <a:r>
-              <a:rPr lang="en-US" sz="2400" dirty="0" smtClean="0">
-                <a:latin typeface="Courier" charset="0"/>
-                <a:ea typeface="Courier" charset="0"/>
-                <a:cs typeface="Courier" charset="0"/>
-              </a:rPr>
-              <a:t>if [ $1 = “blueberry” ]</a:t>
             </a:r>
           </a:p>
           <a:p>
@@ -5184,7 +4935,95 @@
               <a:buNone/>
             </a:pPr>
             <a:r>
-              <a:rPr lang="en-US" sz="2400" dirty="0" smtClean="0">
+              <a:rPr lang="en-US" sz="2400" dirty="0">
+                <a:latin typeface="Courier" charset="0"/>
+                <a:ea typeface="Courier" charset="0"/>
+                <a:cs typeface="Courier" charset="0"/>
+              </a:rPr>
+              <a:t># check if numeric argument is &gt; 100</a:t>
+            </a:r>
+          </a:p>
+          <a:p>
+            <a:pPr marL="0" indent="0">
+              <a:buNone/>
+            </a:pPr>
+            <a:r>
+              <a:rPr lang="en-US" sz="2400" dirty="0">
+                <a:latin typeface="Courier" charset="0"/>
+                <a:ea typeface="Courier" charset="0"/>
+                <a:cs typeface="Courier" charset="0"/>
+              </a:rPr>
+              <a:t>if [ $1 -</a:t>
+            </a:r>
+            <a:r>
+              <a:rPr lang="en-US" sz="2400" dirty="0" err="1">
+                <a:latin typeface="Courier" charset="0"/>
+                <a:ea typeface="Courier" charset="0"/>
+                <a:cs typeface="Courier" charset="0"/>
+              </a:rPr>
+              <a:t>gt</a:t>
+            </a:r>
+            <a:r>
+              <a:rPr lang="en-US" sz="2400" dirty="0">
+                <a:latin typeface="Courier" charset="0"/>
+                <a:ea typeface="Courier" charset="0"/>
+                <a:cs typeface="Courier" charset="0"/>
+              </a:rPr>
+              <a:t> 100 ]</a:t>
+            </a:r>
+          </a:p>
+          <a:p>
+            <a:pPr marL="0" indent="0">
+              <a:buNone/>
+            </a:pPr>
+            <a:endParaRPr lang="en-US" sz="2400" dirty="0">
+              <a:latin typeface="Courier" charset="0"/>
+              <a:ea typeface="Courier" charset="0"/>
+              <a:cs typeface="Courier" charset="0"/>
+            </a:endParaRPr>
+          </a:p>
+          <a:p>
+            <a:pPr marL="0" indent="0">
+              <a:buNone/>
+            </a:pPr>
+            <a:r>
+              <a:rPr lang="en-US" sz="2400" dirty="0">
+                <a:latin typeface="Courier" charset="0"/>
+                <a:ea typeface="Courier" charset="0"/>
+                <a:cs typeface="Courier" charset="0"/>
+              </a:rPr>
+              <a:t># check if string argument equals “blueberry”</a:t>
+            </a:r>
+          </a:p>
+          <a:p>
+            <a:pPr marL="0" indent="0">
+              <a:buNone/>
+            </a:pPr>
+            <a:r>
+              <a:rPr lang="en-US" sz="2400" dirty="0">
+                <a:latin typeface="Courier" charset="0"/>
+                <a:ea typeface="Courier" charset="0"/>
+                <a:cs typeface="Courier" charset="0"/>
+              </a:rPr>
+              <a:t>if [ $1 = “blueberry” ]</a:t>
+            </a:r>
+          </a:p>
+          <a:p>
+            <a:pPr marL="0" indent="0">
+              <a:buNone/>
+            </a:pPr>
+            <a:endParaRPr lang="en-US" sz="2400" dirty="0">
+              <a:latin typeface="Courier" charset="0"/>
+              <a:ea typeface="Courier" charset="0"/>
+              <a:cs typeface="Courier" charset="0"/>
+            </a:endParaRPr>
+          </a:p>
+          <a:p>
+            <a:pPr marL="0" indent="0">
+              <a:buNone/>
+            </a:pPr>
+            <a:r>
+              <a:rPr lang="en-US" sz="2400" dirty="0">
                 <a:latin typeface="Courier" charset="0"/>
                 <a:ea typeface="Courier" charset="0"/>
                 <a:cs typeface="Courier" charset="0"/>
@@ -5197,7 +5036,7 @@
               <a:buNone/>
             </a:pPr>
             <a:r>
-              <a:rPr lang="en-US" sz="2400" dirty="0" smtClean="0">
+              <a:rPr lang="en-US" sz="2400" dirty="0">
                 <a:latin typeface="Courier" charset="0"/>
                 <a:ea typeface="Courier" charset="0"/>
                 <a:cs typeface="Courier" charset="0"/>
@@ -5210,7 +5049,7 @@
               <a:buNone/>
             </a:pPr>
             <a:r>
-              <a:rPr lang="en-US" sz="2400" dirty="0" smtClean="0">
+              <a:rPr lang="en-US" sz="2400" dirty="0">
                 <a:latin typeface="Courier" charset="0"/>
                 <a:ea typeface="Courier" charset="0"/>
                 <a:cs typeface="Courier" charset="0"/>
@@ -5230,21 +5069,6 @@
   <p:clrMapOvr>
     <a:masterClrMapping/>
   </p:clrMapOvr>
-  <mc:AlternateContent xmlns:mc="http://schemas.openxmlformats.org/markup-compatibility/2006" xmlns:p14="http://schemas.microsoft.com/office/powerpoint/2010/main">
-    <mc:Choice Requires="p14">
-      <p:transition spd="slow" p14:dur="2000"/>
-    </mc:Choice>
-    <mc:Fallback xmlns="">
-      <p:transition xmlns:p14="http://schemas.microsoft.com/office/powerpoint/2010/main" spd="slow"/>
-    </mc:Fallback>
-  </mc:AlternateContent>
-  <p:timing>
-    <p:tnLst>
-      <p:par>
-        <p:cTn id="1" dur="indefinite" restart="never" nodeType="tmRoot"/>
-      </p:par>
-    </p:tnLst>
-  </p:timing>
 </p:sld>
 </file>
 
@@ -5284,10 +5108,9 @@
           <a:p>
             <a:pPr algn="ctr"/>
             <a:r>
-              <a:rPr lang="en-US" dirty="0" smtClean="0"/>
+              <a:rPr lang="en-US" dirty="0"/>
               <a:t>PARALLELIZATION</a:t>
             </a:r>
-            <a:endParaRPr lang="en-US" dirty="0"/>
           </a:p>
         </p:txBody>
       </p:sp>
@@ -5314,50 +5137,50 @@
           <a:lstStyle/>
           <a:p>
             <a:r>
-              <a:rPr lang="en-US" dirty="0" smtClean="0"/>
+              <a:rPr lang="en-US" dirty="0"/>
               <a:t>Many analyses in genomics are “embarrassingly parallel.” Data that are independent can be analyzed at the same time (“in parallel”).</a:t>
             </a:r>
           </a:p>
           <a:p>
             <a:r>
-              <a:rPr lang="en-US" dirty="0" smtClean="0"/>
+              <a:rPr lang="en-US" dirty="0"/>
               <a:t>Often we can treat as independent</a:t>
             </a:r>
           </a:p>
           <a:p>
             <a:pPr lvl="1"/>
             <a:r>
-              <a:rPr lang="en-US" dirty="0" smtClean="0"/>
+              <a:rPr lang="en-US" dirty="0"/>
               <a:t>Each sample</a:t>
             </a:r>
           </a:p>
           <a:p>
             <a:pPr lvl="1"/>
             <a:r>
-              <a:rPr lang="en-US" dirty="0" smtClean="0"/>
+              <a:rPr lang="en-US" dirty="0"/>
               <a:t>Each region (</a:t>
             </a:r>
             <a:r>
-              <a:rPr lang="en-US" i="1" dirty="0" smtClean="0"/>
+              <a:rPr lang="en-US" i="1" dirty="0"/>
               <a:t>e.g. </a:t>
             </a:r>
             <a:r>
-              <a:rPr lang="en-US" dirty="0" smtClean="0"/>
+              <a:rPr lang="en-US" dirty="0"/>
               <a:t>gene) or chromosome</a:t>
             </a:r>
           </a:p>
           <a:p>
             <a:pPr lvl="1"/>
             <a:r>
-              <a:rPr lang="en-US" dirty="0" smtClean="0"/>
+              <a:rPr lang="en-US" dirty="0"/>
               <a:t>Each variable/data type, </a:t>
             </a:r>
             <a:r>
-              <a:rPr lang="en-US" i="1" dirty="0" smtClean="0"/>
+              <a:rPr lang="en-US" i="1" dirty="0"/>
               <a:t>e.g. </a:t>
             </a:r>
             <a:r>
-              <a:rPr lang="en-US" dirty="0" smtClean="0"/>
+              <a:rPr lang="en-US" dirty="0"/>
               <a:t>association studies for each phenotype can be run in parallel</a:t>
             </a:r>
           </a:p>
@@ -5373,21 +5196,6 @@
   <p:clrMapOvr>
     <a:masterClrMapping/>
   </p:clrMapOvr>
-  <mc:AlternateContent xmlns:mc="http://schemas.openxmlformats.org/markup-compatibility/2006" xmlns:p14="http://schemas.microsoft.com/office/powerpoint/2010/main">
-    <mc:Choice Requires="p14">
-      <p:transition spd="slow" p14:dur="2000"/>
-    </mc:Choice>
-    <mc:Fallback xmlns="">
-      <p:transition xmlns:p14="http://schemas.microsoft.com/office/powerpoint/2010/main" spd="slow"/>
-    </mc:Fallback>
-  </mc:AlternateContent>
-  <p:timing>
-    <p:tnLst>
-      <p:par>
-        <p:cTn id="1" dur="indefinite" restart="never" nodeType="tmRoot"/>
-      </p:par>
-    </p:tnLst>
-  </p:timing>
 </p:sld>
 </file>
 
@@ -5427,10 +5235,9 @@
           <a:p>
             <a:pPr algn="ctr"/>
             <a:r>
-              <a:rPr lang="en-US" dirty="0" smtClean="0"/>
+              <a:rPr lang="en-US" dirty="0"/>
               <a:t>PARALLELIZATION</a:t>
             </a:r>
-            <a:endParaRPr lang="en-US" dirty="0"/>
           </a:p>
         </p:txBody>
       </p:sp>
@@ -5460,49 +5267,49 @@
               <a:buNone/>
             </a:pPr>
             <a:r>
-              <a:rPr lang="en-US" u="sng" dirty="0" smtClean="0"/>
+              <a:rPr lang="en-US" u="sng" dirty="0"/>
               <a:t>Strategies: Parallel Processes</a:t>
             </a:r>
           </a:p>
           <a:p>
             <a:r>
-              <a:rPr lang="en-US" dirty="0" smtClean="0"/>
+              <a:rPr lang="en-US" dirty="0"/>
               <a:t>Modern computers typically have multiple “cores” or independent processors</a:t>
             </a:r>
           </a:p>
           <a:p>
             <a:r>
-              <a:rPr lang="en-US" dirty="0" smtClean="0"/>
+              <a:rPr lang="en-US" dirty="0"/>
               <a:t>You can run one process on each core</a:t>
             </a:r>
           </a:p>
           <a:p>
             <a:r>
-              <a:rPr lang="en-US" dirty="0" smtClean="0"/>
+              <a:rPr lang="en-US" dirty="0"/>
               <a:t>Some programs (</a:t>
             </a:r>
             <a:r>
-              <a:rPr lang="en-US" i="1" dirty="0" smtClean="0"/>
+              <a:rPr lang="en-US" i="1" dirty="0"/>
               <a:t>e.g. </a:t>
             </a:r>
             <a:r>
-              <a:rPr lang="en-US" dirty="0" smtClean="0"/>
+              <a:rPr lang="en-US" dirty="0"/>
               <a:t>BWA) can also handle parallelization internally if you tell it to use multiple processes (or sometimes “threads”) </a:t>
             </a:r>
             <a:r>
-              <a:rPr lang="mr-IN" dirty="0" smtClean="0"/>
+              <a:rPr lang="mr-IN" dirty="0"/>
               <a:t>–</a:t>
             </a:r>
             <a:r>
-              <a:rPr lang="en-US" dirty="0" smtClean="0"/>
+              <a:rPr lang="en-US" dirty="0"/>
               <a:t> make sure the total of </a:t>
             </a:r>
             <a:r>
-              <a:rPr lang="en-US" i="1" dirty="0" smtClean="0"/>
+              <a:rPr lang="en-US" i="1" dirty="0"/>
               <a:t>threads * processes</a:t>
             </a:r>
             <a:r>
-              <a:rPr lang="en-US" dirty="0" smtClean="0"/>
+              <a:rPr lang="en-US" dirty="0"/>
               <a:t> is less than or equal to the number of cores on your machine</a:t>
             </a:r>
           </a:p>
@@ -5518,21 +5325,6 @@
   <p:clrMapOvr>
     <a:masterClrMapping/>
   </p:clrMapOvr>
-  <mc:AlternateContent xmlns:mc="http://schemas.openxmlformats.org/markup-compatibility/2006" xmlns:p14="http://schemas.microsoft.com/office/powerpoint/2010/main">
-    <mc:Choice Requires="p14">
-      <p:transition spd="slow" p14:dur="2000"/>
-    </mc:Choice>
-    <mc:Fallback xmlns="">
-      <p:transition xmlns:p14="http://schemas.microsoft.com/office/powerpoint/2010/main" spd="slow"/>
-    </mc:Fallback>
-  </mc:AlternateContent>
-  <p:timing>
-    <p:tnLst>
-      <p:par>
-        <p:cTn id="1" dur="indefinite" restart="never" nodeType="tmRoot"/>
-      </p:par>
-    </p:tnLst>
-  </p:timing>
 </p:sld>
 </file>
 
@@ -5572,10 +5364,9 @@
           <a:p>
             <a:pPr algn="ctr"/>
             <a:r>
-              <a:rPr lang="en-US" dirty="0" smtClean="0"/>
+              <a:rPr lang="en-US" dirty="0"/>
               <a:t>PARALLELIZATION</a:t>
             </a:r>
-            <a:endParaRPr lang="en-US" dirty="0"/>
           </a:p>
         </p:txBody>
       </p:sp>
@@ -5605,7 +5396,7 @@
               <a:buNone/>
             </a:pPr>
             <a:r>
-              <a:rPr lang="en-US" u="sng" dirty="0" smtClean="0"/>
+              <a:rPr lang="en-US" u="sng" dirty="0"/>
               <a:t>GNU Parallel</a:t>
             </a:r>
           </a:p>
@@ -5614,7 +5405,7 @@
               <a:buNone/>
             </a:pPr>
             <a:r>
-              <a:rPr lang="en-US" sz="2400" dirty="0" smtClean="0">
+              <a:rPr lang="en-US" sz="2400" dirty="0">
                 <a:latin typeface="Courier" charset="0"/>
                 <a:ea typeface="Courier" charset="0"/>
                 <a:cs typeface="Courier" charset="0"/>
@@ -5627,7 +5418,7 @@
               <a:buNone/>
             </a:pPr>
             <a:r>
-              <a:rPr lang="en-US" sz="2400" dirty="0" smtClean="0">
+              <a:rPr lang="en-US" sz="2400" dirty="0">
                 <a:latin typeface="Courier" charset="0"/>
                 <a:ea typeface="Courier" charset="0"/>
                 <a:cs typeface="Courier" charset="0"/>
@@ -5640,7 +5431,7 @@
               <a:buNone/>
             </a:pPr>
             <a:r>
-              <a:rPr lang="en-US" sz="2400" dirty="0" smtClean="0">
+              <a:rPr lang="en-US" sz="2400" dirty="0">
                 <a:latin typeface="Courier" charset="0"/>
                 <a:ea typeface="Courier" charset="0"/>
                 <a:cs typeface="Courier" charset="0"/>
@@ -5653,7 +5444,7 @@
               <a:buNone/>
             </a:pPr>
             <a:r>
-              <a:rPr lang="en-US" sz="2400" dirty="0" smtClean="0">
+              <a:rPr lang="en-US" sz="2400" dirty="0">
                 <a:latin typeface="Courier" charset="0"/>
                 <a:ea typeface="Courier" charset="0"/>
                 <a:cs typeface="Courier" charset="0"/>
@@ -5666,7 +5457,7 @@
               <a:buNone/>
             </a:pPr>
             <a:r>
-              <a:rPr lang="en-US" sz="2400" dirty="0" smtClean="0">
+              <a:rPr lang="en-US" sz="2400" dirty="0">
                 <a:latin typeface="Courier" charset="0"/>
                 <a:ea typeface="Courier" charset="0"/>
                 <a:cs typeface="Courier" charset="0"/>
@@ -5679,7 +5470,7 @@
               <a:buNone/>
             </a:pPr>
             <a:r>
-              <a:rPr lang="en-US" sz="2400" dirty="0" smtClean="0">
+              <a:rPr lang="en-US" sz="2400" dirty="0">
                 <a:latin typeface="Courier" charset="0"/>
                 <a:ea typeface="Courier" charset="0"/>
                 <a:cs typeface="Courier" charset="0"/>
@@ -5699,21 +5490,6 @@
   <p:clrMapOvr>
     <a:masterClrMapping/>
   </p:clrMapOvr>
-  <mc:AlternateContent xmlns:mc="http://schemas.openxmlformats.org/markup-compatibility/2006" xmlns:p14="http://schemas.microsoft.com/office/powerpoint/2010/main">
-    <mc:Choice Requires="p14">
-      <p:transition spd="slow" p14:dur="2000"/>
-    </mc:Choice>
-    <mc:Fallback xmlns="">
-      <p:transition xmlns:p14="http://schemas.microsoft.com/office/powerpoint/2010/main" spd="slow"/>
-    </mc:Fallback>
-  </mc:AlternateContent>
-  <p:timing>
-    <p:tnLst>
-      <p:par>
-        <p:cTn id="1" dur="indefinite" restart="never" nodeType="tmRoot"/>
-      </p:par>
-    </p:tnLst>
-  </p:timing>
 </p:sld>
 </file>
 
@@ -5753,10 +5529,9 @@
           <a:p>
             <a:pPr algn="ctr"/>
             <a:r>
-              <a:rPr lang="en-US" dirty="0" smtClean="0"/>
+              <a:rPr lang="en-US" dirty="0"/>
               <a:t>PARALLELIZATION</a:t>
             </a:r>
-            <a:endParaRPr lang="en-US" dirty="0"/>
           </a:p>
         </p:txBody>
       </p:sp>
@@ -5786,70 +5561,70 @@
               <a:buNone/>
             </a:pPr>
             <a:r>
-              <a:rPr lang="en-US" u="sng" dirty="0" smtClean="0"/>
+              <a:rPr lang="en-US" u="sng" dirty="0"/>
               <a:t>Strategies: Job Scheduler</a:t>
             </a:r>
           </a:p>
           <a:p>
             <a:r>
-              <a:rPr lang="en-US" dirty="0" smtClean="0"/>
+              <a:rPr lang="en-US" dirty="0"/>
               <a:t>HPC environments (or “clusters,” </a:t>
             </a:r>
             <a:r>
-              <a:rPr lang="en-US" i="1" dirty="0" smtClean="0"/>
+              <a:rPr lang="en-US" i="1" dirty="0"/>
               <a:t>e.g.</a:t>
             </a:r>
             <a:r>
-              <a:rPr lang="en-US" dirty="0" smtClean="0"/>
+              <a:rPr lang="en-US" dirty="0"/>
               <a:t> NIH </a:t>
             </a:r>
             <a:r>
-              <a:rPr lang="en-US" dirty="0" err="1" smtClean="0"/>
+              <a:rPr lang="en-US" dirty="0" err="1"/>
               <a:t>Biowulf</a:t>
             </a:r>
             <a:r>
-              <a:rPr lang="en-US" dirty="0" smtClean="0"/>
+              <a:rPr lang="en-US" dirty="0"/>
               <a:t>) are managed by a job scheduler</a:t>
             </a:r>
           </a:p>
           <a:p>
             <a:pPr lvl="1"/>
             <a:r>
-              <a:rPr lang="en-US" dirty="0" smtClean="0"/>
+              <a:rPr lang="en-US" dirty="0"/>
               <a:t>Runs your commands in parallel across a large number of computers</a:t>
             </a:r>
           </a:p>
           <a:p>
             <a:pPr lvl="1"/>
             <a:r>
-              <a:rPr lang="en-US" dirty="0" smtClean="0"/>
+              <a:rPr lang="en-US" dirty="0"/>
               <a:t>Allocates resources fairly</a:t>
             </a:r>
           </a:p>
           <a:p>
             <a:pPr lvl="1"/>
             <a:r>
-              <a:rPr lang="en-US" dirty="0" smtClean="0"/>
+              <a:rPr lang="en-US" dirty="0"/>
               <a:t>Provides data storage</a:t>
             </a:r>
           </a:p>
           <a:p>
             <a:r>
-              <a:rPr lang="en-US" dirty="0" smtClean="0"/>
+              <a:rPr lang="en-US" dirty="0"/>
               <a:t>AWS is another option if you don’t have access to a cluster </a:t>
             </a:r>
             <a:r>
-              <a:rPr lang="mr-IN" dirty="0" smtClean="0"/>
+              <a:rPr lang="mr-IN" dirty="0"/>
               <a:t>–</a:t>
             </a:r>
             <a:r>
-              <a:rPr lang="en-US" dirty="0" smtClean="0"/>
+              <a:rPr lang="en-US" dirty="0"/>
               <a:t> pay as you go</a:t>
             </a:r>
           </a:p>
           <a:p>
             <a:pPr lvl="2"/>
-            <a:endParaRPr lang="en-US" dirty="0" smtClean="0"/>
+            <a:endParaRPr lang="en-US" dirty="0"/>
           </a:p>
         </p:txBody>
       </p:sp>
@@ -5863,21 +5638,6 @@
   <p:clrMapOvr>
     <a:masterClrMapping/>
   </p:clrMapOvr>
-  <mc:AlternateContent xmlns:mc="http://schemas.openxmlformats.org/markup-compatibility/2006" xmlns:p14="http://schemas.microsoft.com/office/powerpoint/2010/main">
-    <mc:Choice Requires="p14">
-      <p:transition spd="slow" p14:dur="2000"/>
-    </mc:Choice>
-    <mc:Fallback xmlns="">
-      <p:transition xmlns:p14="http://schemas.microsoft.com/office/powerpoint/2010/main" spd="slow"/>
-    </mc:Fallback>
-  </mc:AlternateContent>
-  <p:timing>
-    <p:tnLst>
-      <p:par>
-        <p:cTn id="1" dur="indefinite" restart="never" nodeType="tmRoot"/>
-      </p:par>
-    </p:tnLst>
-  </p:timing>
 </p:sld>
 </file>
 
@@ -5917,10 +5677,9 @@
           <a:p>
             <a:pPr algn="ctr"/>
             <a:r>
-              <a:rPr lang="en-US" dirty="0" smtClean="0"/>
+              <a:rPr lang="en-US" dirty="0"/>
               <a:t>PARALLELIZATION</a:t>
             </a:r>
-            <a:endParaRPr lang="en-US" dirty="0"/>
           </a:p>
         </p:txBody>
       </p:sp>
@@ -5950,77 +5709,77 @@
               <a:buNone/>
             </a:pPr>
             <a:r>
-              <a:rPr lang="en-US" u="sng" dirty="0" smtClean="0"/>
+              <a:rPr lang="en-US" u="sng" dirty="0"/>
               <a:t>Strategies: Job Scheduler</a:t>
             </a:r>
           </a:p>
           <a:p>
             <a:r>
-              <a:rPr lang="en-US" dirty="0" smtClean="0"/>
+              <a:rPr lang="en-US" dirty="0"/>
               <a:t>Many different job schedulers (SGE, LFS, SLURM, </a:t>
             </a:r>
             <a:r>
-              <a:rPr lang="mr-IN" dirty="0" smtClean="0"/>
+              <a:rPr lang="mr-IN" dirty="0"/>
               <a:t>…</a:t>
             </a:r>
             <a:r>
-              <a:rPr lang="en-US" dirty="0" smtClean="0"/>
+              <a:rPr lang="en-US" dirty="0"/>
               <a:t>) </a:t>
             </a:r>
             <a:r>
-              <a:rPr lang="mr-IN" dirty="0" smtClean="0"/>
+              <a:rPr lang="mr-IN" dirty="0"/>
               <a:t>–</a:t>
             </a:r>
             <a:r>
-              <a:rPr lang="en-US" dirty="0" smtClean="0"/>
+              <a:rPr lang="en-US" dirty="0"/>
               <a:t> most behave about the same, but command names and options are slightly different</a:t>
             </a:r>
           </a:p>
           <a:p>
             <a:r>
-              <a:rPr lang="en-US" dirty="0" smtClean="0"/>
+              <a:rPr lang="en-US" dirty="0"/>
               <a:t>Common operations are</a:t>
             </a:r>
           </a:p>
           <a:p>
             <a:pPr lvl="1"/>
             <a:r>
-              <a:rPr lang="en-US" dirty="0" smtClean="0"/>
+              <a:rPr lang="en-US" dirty="0"/>
               <a:t>Submit jobs</a:t>
             </a:r>
           </a:p>
           <a:p>
             <a:pPr lvl="1"/>
             <a:r>
-              <a:rPr lang="en-US" dirty="0" smtClean="0"/>
+              <a:rPr lang="en-US" dirty="0"/>
               <a:t>Observe job progress</a:t>
             </a:r>
           </a:p>
           <a:p>
             <a:pPr lvl="1"/>
             <a:r>
-              <a:rPr lang="en-US" dirty="0" smtClean="0"/>
+              <a:rPr lang="en-US" dirty="0"/>
               <a:t>Kill/Suspend/Resume jobs</a:t>
             </a:r>
           </a:p>
           <a:p>
             <a:pPr lvl="1"/>
             <a:r>
-              <a:rPr lang="en-US" dirty="0" smtClean="0"/>
+              <a:rPr lang="en-US" dirty="0"/>
               <a:t>Run interactive jobs </a:t>
             </a:r>
             <a:r>
-              <a:rPr lang="mr-IN" dirty="0" smtClean="0"/>
+              <a:rPr lang="mr-IN" dirty="0"/>
               <a:t>–</a:t>
             </a:r>
             <a:r>
-              <a:rPr lang="en-US" dirty="0" smtClean="0"/>
+              <a:rPr lang="en-US" dirty="0"/>
               <a:t> you can type commands into a terminal, but they run on a (powerful) remote computer; good way to test your scripts before submitting a big job.</a:t>
             </a:r>
           </a:p>
           <a:p>
             <a:pPr lvl="2"/>
-            <a:endParaRPr lang="en-US" dirty="0" smtClean="0"/>
+            <a:endParaRPr lang="en-US" dirty="0"/>
           </a:p>
         </p:txBody>
       </p:sp>
@@ -6034,21 +5793,6 @@
   <p:clrMapOvr>
     <a:masterClrMapping/>
   </p:clrMapOvr>
-  <mc:AlternateContent xmlns:mc="http://schemas.openxmlformats.org/markup-compatibility/2006" xmlns:p14="http://schemas.microsoft.com/office/powerpoint/2010/main">
-    <mc:Choice Requires="p14">
-      <p:transition spd="slow" p14:dur="2000"/>
-    </mc:Choice>
-    <mc:Fallback xmlns="">
-      <p:transition xmlns:p14="http://schemas.microsoft.com/office/powerpoint/2010/main" spd="slow"/>
-    </mc:Fallback>
-  </mc:AlternateContent>
-  <p:timing>
-    <p:tnLst>
-      <p:par>
-        <p:cTn id="1" dur="indefinite" restart="never" nodeType="tmRoot"/>
-      </p:par>
-    </p:tnLst>
-  </p:timing>
 </p:sld>
 </file>
 
@@ -6088,10 +5832,9 @@
           <a:p>
             <a:pPr algn="ctr"/>
             <a:r>
-              <a:rPr lang="en-US" dirty="0" smtClean="0"/>
+              <a:rPr lang="en-US" dirty="0"/>
               <a:t>PARALLELIZATION</a:t>
             </a:r>
-            <a:endParaRPr lang="en-US" dirty="0"/>
           </a:p>
         </p:txBody>
       </p:sp>
@@ -6121,46 +5864,46 @@
               <a:buNone/>
             </a:pPr>
             <a:r>
-              <a:rPr lang="en-US" u="sng" dirty="0" smtClean="0"/>
+              <a:rPr lang="en-US" u="sng" dirty="0"/>
               <a:t>Strategies: Job Scheduler</a:t>
             </a:r>
           </a:p>
           <a:p>
             <a:r>
-              <a:rPr lang="en-US" dirty="0" smtClean="0"/>
+              <a:rPr lang="en-US" dirty="0"/>
               <a:t>You must be specific about the resource requirements of your commands</a:t>
             </a:r>
           </a:p>
           <a:p>
             <a:pPr lvl="1"/>
             <a:r>
-              <a:rPr lang="en-US" dirty="0" smtClean="0"/>
+              <a:rPr lang="en-US" dirty="0"/>
               <a:t>Number of cores per job</a:t>
             </a:r>
           </a:p>
           <a:p>
             <a:pPr lvl="1"/>
             <a:r>
-              <a:rPr lang="en-US" dirty="0" smtClean="0"/>
+              <a:rPr lang="en-US" dirty="0"/>
               <a:t>Amount of memory per job</a:t>
             </a:r>
           </a:p>
           <a:p>
             <a:pPr lvl="1"/>
             <a:r>
-              <a:rPr lang="en-US" dirty="0" smtClean="0"/>
+              <a:rPr lang="en-US" dirty="0"/>
               <a:t>Maximum allotted execution time</a:t>
             </a:r>
           </a:p>
           <a:p>
             <a:r>
-              <a:rPr lang="en-US" dirty="0" smtClean="0"/>
+              <a:rPr lang="en-US" dirty="0"/>
               <a:t>If your job exceeds the resources you request, it will be killed</a:t>
             </a:r>
           </a:p>
           <a:p>
             <a:pPr lvl="2"/>
-            <a:endParaRPr lang="en-US" dirty="0" smtClean="0"/>
+            <a:endParaRPr lang="en-US" dirty="0"/>
           </a:p>
         </p:txBody>
       </p:sp>
@@ -6174,21 +5917,6 @@
   <p:clrMapOvr>
     <a:masterClrMapping/>
   </p:clrMapOvr>
-  <mc:AlternateContent xmlns:mc="http://schemas.openxmlformats.org/markup-compatibility/2006" xmlns:p14="http://schemas.microsoft.com/office/powerpoint/2010/main">
-    <mc:Choice Requires="p14">
-      <p:transition spd="slow" p14:dur="2000"/>
-    </mc:Choice>
-    <mc:Fallback xmlns="">
-      <p:transition xmlns:p14="http://schemas.microsoft.com/office/powerpoint/2010/main" spd="slow"/>
-    </mc:Fallback>
-  </mc:AlternateContent>
-  <p:timing>
-    <p:tnLst>
-      <p:par>
-        <p:cTn id="1" dur="indefinite" restart="never" nodeType="tmRoot"/>
-      </p:par>
-    </p:tnLst>
-  </p:timing>
 </p:sld>
 </file>
 
@@ -6228,10 +5956,9 @@
           <a:p>
             <a:pPr algn="ctr"/>
             <a:r>
-              <a:rPr lang="en-US" dirty="0" smtClean="0"/>
+              <a:rPr lang="en-US" dirty="0"/>
               <a:t>SCRIPTING</a:t>
             </a:r>
-            <a:endParaRPr lang="en-US" dirty="0"/>
           </a:p>
         </p:txBody>
       </p:sp>
@@ -6258,24 +5985,24 @@
           <a:lstStyle/>
           <a:p>
             <a:r>
-              <a:rPr lang="en-US" dirty="0" smtClean="0"/>
+              <a:rPr lang="en-US" dirty="0"/>
               <a:t>For exploratory analysis, typing commands into your terminal is okay</a:t>
             </a:r>
           </a:p>
           <a:p>
             <a:r>
-              <a:rPr lang="en-US" dirty="0" smtClean="0"/>
+              <a:rPr lang="en-US" dirty="0"/>
               <a:t>However, it quickly becomes difficult to remember lots of commands and manage lots of files</a:t>
             </a:r>
           </a:p>
           <a:p>
             <a:r>
-              <a:rPr lang="en-US" dirty="0" smtClean="0"/>
+              <a:rPr lang="en-US" dirty="0"/>
               <a:t>A better strategy is to record your workflow in one or more scripts, and to organize your output into directories</a:t>
             </a:r>
           </a:p>
           <a:p>
-            <a:endParaRPr lang="en-US" dirty="0" smtClean="0"/>
+            <a:endParaRPr lang="en-US" dirty="0"/>
           </a:p>
         </p:txBody>
       </p:sp>
@@ -6289,21 +6016,6 @@
   <p:clrMapOvr>
     <a:masterClrMapping/>
   </p:clrMapOvr>
-  <mc:AlternateContent xmlns:mc="http://schemas.openxmlformats.org/markup-compatibility/2006" xmlns:p14="http://schemas.microsoft.com/office/powerpoint/2010/main">
-    <mc:Choice Requires="p14">
-      <p:transition spd="slow" p14:dur="2000"/>
-    </mc:Choice>
-    <mc:Fallback xmlns="">
-      <p:transition xmlns:p14="http://schemas.microsoft.com/office/powerpoint/2010/main" spd="slow"/>
-    </mc:Fallback>
-  </mc:AlternateContent>
-  <p:timing>
-    <p:tnLst>
-      <p:par>
-        <p:cTn id="1" dur="indefinite" restart="never" nodeType="tmRoot"/>
-      </p:par>
-    </p:tnLst>
-  </p:timing>
 </p:sld>
 </file>
 
@@ -6343,10 +6055,9 @@
           <a:p>
             <a:pPr algn="ctr"/>
             <a:r>
-              <a:rPr lang="en-US" dirty="0" smtClean="0"/>
+              <a:rPr lang="en-US" dirty="0"/>
               <a:t>PARALLELIZATION</a:t>
             </a:r>
-            <a:endParaRPr lang="en-US" dirty="0"/>
           </a:p>
         </p:txBody>
       </p:sp>
@@ -6376,21 +6087,21 @@
               <a:buNone/>
             </a:pPr>
             <a:r>
-              <a:rPr lang="en-US" u="sng" dirty="0" smtClean="0"/>
+              <a:rPr lang="en-US" u="sng" dirty="0"/>
               <a:t>SLURM on </a:t>
             </a:r>
             <a:r>
-              <a:rPr lang="en-US" u="sng" dirty="0" err="1" smtClean="0"/>
+              <a:rPr lang="en-US" u="sng" dirty="0" err="1"/>
               <a:t>Biowulf</a:t>
             </a:r>
-            <a:endParaRPr lang="en-US" u="sng" dirty="0" smtClean="0"/>
+            <a:endParaRPr lang="en-US" u="sng" dirty="0"/>
           </a:p>
           <a:p>
             <a:pPr marL="0" indent="0">
               <a:buNone/>
             </a:pPr>
             <a:r>
-              <a:rPr lang="en-US" sz="2400" dirty="0" smtClean="0">
+              <a:rPr lang="en-US" sz="2400" dirty="0">
                 <a:latin typeface="Courier" charset="0"/>
                 <a:ea typeface="Courier" charset="0"/>
                 <a:cs typeface="Courier" charset="0"/>
@@ -6398,7 +6109,7 @@
               <a:t># Example for </a:t>
             </a:r>
             <a:r>
-              <a:rPr lang="en-US" sz="2400" dirty="0" err="1" smtClean="0">
+              <a:rPr lang="en-US" sz="2400" dirty="0" err="1">
                 <a:latin typeface="Courier" charset="0"/>
                 <a:ea typeface="Courier" charset="0"/>
                 <a:cs typeface="Courier" charset="0"/>
@@ -6406,7 +6117,7 @@
               <a:t>Biowulf</a:t>
             </a:r>
             <a:r>
-              <a:rPr lang="en-US" sz="2400" dirty="0" smtClean="0">
+              <a:rPr lang="en-US" sz="2400" dirty="0">
                 <a:latin typeface="Courier" charset="0"/>
                 <a:ea typeface="Courier" charset="0"/>
                 <a:cs typeface="Courier" charset="0"/>
@@ -6414,7 +6125,7 @@
               <a:t>, which uses </a:t>
             </a:r>
             <a:r>
-              <a:rPr lang="en-US" sz="2400" dirty="0" err="1" smtClean="0">
+              <a:rPr lang="en-US" sz="2400" dirty="0" err="1">
                 <a:latin typeface="Courier" charset="0"/>
                 <a:ea typeface="Courier" charset="0"/>
                 <a:cs typeface="Courier" charset="0"/>
@@ -6422,7 +6133,7 @@
               <a:t>slurm</a:t>
             </a:r>
             <a:r>
-              <a:rPr lang="en-US" sz="2400" dirty="0" smtClean="0">
+              <a:rPr lang="en-US" sz="2400" dirty="0">
                 <a:latin typeface="Courier" charset="0"/>
                 <a:ea typeface="Courier" charset="0"/>
                 <a:cs typeface="Courier" charset="0"/>
@@ -6435,7 +6146,7 @@
               <a:buNone/>
             </a:pPr>
             <a:r>
-              <a:rPr lang="en-US" sz="2400" dirty="0" smtClean="0">
+              <a:rPr lang="en-US" sz="2400" dirty="0">
                 <a:latin typeface="Courier" charset="0"/>
                 <a:ea typeface="Courier" charset="0"/>
                 <a:cs typeface="Courier" charset="0"/>
@@ -6443,7 +6154,7 @@
               <a:t># </a:t>
             </a:r>
             <a:r>
-              <a:rPr lang="en-US" sz="2400" dirty="0" err="1" smtClean="0">
+              <a:rPr lang="en-US" sz="2400" dirty="0" err="1">
                 <a:latin typeface="Courier" charset="0"/>
                 <a:ea typeface="Courier" charset="0"/>
                 <a:cs typeface="Courier" charset="0"/>
@@ -6451,7 +6162,7 @@
               <a:t>Slurm</a:t>
             </a:r>
             <a:r>
-              <a:rPr lang="en-US" sz="2400" dirty="0" smtClean="0">
+              <a:rPr lang="en-US" sz="2400" dirty="0">
                 <a:latin typeface="Courier" charset="0"/>
                 <a:ea typeface="Courier" charset="0"/>
                 <a:cs typeface="Courier" charset="0"/>
@@ -6459,7 +6170,7 @@
               <a:t> jobs are submitted as </a:t>
             </a:r>
             <a:r>
-              <a:rPr lang="en-US" sz="2400" dirty="0" err="1" smtClean="0">
+              <a:rPr lang="en-US" sz="2400" dirty="0" err="1">
                 <a:latin typeface="Courier" charset="0"/>
                 <a:ea typeface="Courier" charset="0"/>
                 <a:cs typeface="Courier" charset="0"/>
@@ -6467,7 +6178,7 @@
               <a:t>jobscripts</a:t>
             </a:r>
             <a:r>
-              <a:rPr lang="en-US" sz="2400" dirty="0" smtClean="0">
+              <a:rPr lang="en-US" sz="2400" dirty="0">
                 <a:latin typeface="Courier" charset="0"/>
                 <a:ea typeface="Courier" charset="0"/>
                 <a:cs typeface="Courier" charset="0"/>
@@ -6485,15 +6196,7 @@
                 <a:ea typeface="Courier" charset="0"/>
                 <a:cs typeface="Courier" charset="0"/>
               </a:rPr>
-              <a:t>#</a:t>
-            </a:r>
-            <a:r>
-              <a:rPr lang="en-US" sz="2400" dirty="0" smtClean="0">
-                <a:latin typeface="Courier" charset="0"/>
-                <a:ea typeface="Courier" charset="0"/>
-                <a:cs typeface="Courier" charset="0"/>
-              </a:rPr>
-              <a:t> Full documentation at</a:t>
+              <a:t># Full documentation at</a:t>
             </a:r>
           </a:p>
           <a:p>
@@ -6501,7 +6204,7 @@
               <a:buNone/>
             </a:pPr>
             <a:r>
-              <a:rPr lang="en-US" sz="2400" dirty="0" smtClean="0">
+              <a:rPr lang="en-US" sz="2400" dirty="0">
                 <a:latin typeface="Courier" charset="0"/>
                 <a:ea typeface="Courier" charset="0"/>
                 <a:cs typeface="Courier" charset="0"/>
@@ -6509,84 +6212,14 @@
               <a:t># </a:t>
             </a:r>
             <a:r>
-              <a:rPr lang="en-US" sz="2400" dirty="0" smtClean="0">
+              <a:rPr lang="en-US" sz="2400" dirty="0">
                 <a:latin typeface="Courier" charset="0"/>
                 <a:ea typeface="Courier" charset="0"/>
                 <a:cs typeface="Courier" charset="0"/>
                 <a:hlinkClick r:id="rId2"/>
               </a:rPr>
-              <a:t>https</a:t>
-            </a:r>
-            <a:r>
-              <a:rPr lang="en-US" sz="2400" dirty="0">
-                <a:latin typeface="Courier" charset="0"/>
-                <a:ea typeface="Courier" charset="0"/>
-                <a:cs typeface="Courier" charset="0"/>
-                <a:hlinkClick r:id="rId2"/>
-              </a:rPr>
-              <a:t>://</a:t>
-            </a:r>
-            <a:r>
-              <a:rPr lang="en-US" sz="2400" dirty="0" smtClean="0">
-                <a:latin typeface="Courier" charset="0"/>
-                <a:ea typeface="Courier" charset="0"/>
-                <a:cs typeface="Courier" charset="0"/>
-                <a:hlinkClick r:id="rId2"/>
-              </a:rPr>
-              <a:t>hpc.nih.gov/docs/userguide.html</a:t>
-            </a:r>
-            <a:endParaRPr lang="en-US" sz="2400" dirty="0" smtClean="0">
-              <a:latin typeface="Courier" charset="0"/>
-              <a:ea typeface="Courier" charset="0"/>
-              <a:cs typeface="Courier" charset="0"/>
-            </a:endParaRPr>
-          </a:p>
-          <a:p>
-            <a:pPr marL="0" indent="0">
-              <a:buNone/>
-            </a:pPr>
-            <a:r>
-              <a:rPr lang="en-US" sz="2400" dirty="0" smtClean="0">
-                <a:latin typeface="Courier" charset="0"/>
-                <a:ea typeface="Courier" charset="0"/>
-                <a:cs typeface="Courier" charset="0"/>
-              </a:rPr>
-              <a:t>$ </a:t>
-            </a:r>
-            <a:r>
-              <a:rPr lang="en-US" sz="2400" dirty="0" err="1" smtClean="0">
-                <a:latin typeface="Courier" charset="0"/>
-                <a:ea typeface="Courier" charset="0"/>
-                <a:cs typeface="Courier" charset="0"/>
-              </a:rPr>
-              <a:t>sbatch</a:t>
-            </a:r>
-            <a:r>
-              <a:rPr lang="en-US" sz="2400" dirty="0" smtClean="0">
-                <a:latin typeface="Courier" charset="0"/>
-                <a:ea typeface="Courier" charset="0"/>
-                <a:cs typeface="Courier" charset="0"/>
-              </a:rPr>
-              <a:t> </a:t>
-            </a:r>
-            <a:r>
-              <a:rPr lang="en-US" sz="2400" dirty="0" err="1" smtClean="0">
-                <a:latin typeface="Courier" charset="0"/>
-                <a:ea typeface="Courier" charset="0"/>
-                <a:cs typeface="Courier" charset="0"/>
-              </a:rPr>
-              <a:t>jobscript</a:t>
-            </a:r>
-            <a:endParaRPr lang="en-US" sz="2400" dirty="0" smtClean="0">
-              <a:latin typeface="Courier" charset="0"/>
-              <a:ea typeface="Courier" charset="0"/>
-              <a:cs typeface="Courier" charset="0"/>
-            </a:endParaRPr>
-          </a:p>
-          <a:p>
-            <a:pPr marL="0" indent="0">
-              <a:buNone/>
-            </a:pPr>
+              <a:t>https://hpc.nih.gov/docs/userguide.html</a:t>
+            </a:r>
             <a:endParaRPr lang="en-US" sz="2400" dirty="0">
               <a:latin typeface="Courier" charset="0"/>
               <a:ea typeface="Courier" charset="0"/>
@@ -6598,7 +6231,59 @@
               <a:buNone/>
             </a:pPr>
             <a:r>
-              <a:rPr lang="en-US" sz="2400" dirty="0" smtClean="0">
+              <a:rPr lang="en-US" sz="2400" dirty="0">
+                <a:latin typeface="Courier" charset="0"/>
+                <a:ea typeface="Courier" charset="0"/>
+                <a:cs typeface="Courier" charset="0"/>
+              </a:rPr>
+              <a:t>$ </a:t>
+            </a:r>
+            <a:r>
+              <a:rPr lang="en-US" sz="2400" dirty="0" err="1">
+                <a:latin typeface="Courier" charset="0"/>
+                <a:ea typeface="Courier" charset="0"/>
+                <a:cs typeface="Courier" charset="0"/>
+              </a:rPr>
+              <a:t>sbatch</a:t>
+            </a:r>
+            <a:r>
+              <a:rPr lang="en-US" sz="2400" dirty="0">
+                <a:latin typeface="Courier" charset="0"/>
+                <a:ea typeface="Courier" charset="0"/>
+                <a:cs typeface="Courier" charset="0"/>
+              </a:rPr>
+              <a:t> </a:t>
+            </a:r>
+            <a:r>
+              <a:rPr lang="en-US" sz="2400" dirty="0" err="1">
+                <a:latin typeface="Courier" charset="0"/>
+                <a:ea typeface="Courier" charset="0"/>
+                <a:cs typeface="Courier" charset="0"/>
+              </a:rPr>
+              <a:t>jobscript</a:t>
+            </a:r>
+            <a:endParaRPr lang="en-US" sz="2400" dirty="0">
+              <a:latin typeface="Courier" charset="0"/>
+              <a:ea typeface="Courier" charset="0"/>
+              <a:cs typeface="Courier" charset="0"/>
+            </a:endParaRPr>
+          </a:p>
+          <a:p>
+            <a:pPr marL="0" indent="0">
+              <a:buNone/>
+            </a:pPr>
+            <a:endParaRPr lang="en-US" sz="2400" dirty="0">
+              <a:latin typeface="Courier" charset="0"/>
+              <a:ea typeface="Courier" charset="0"/>
+              <a:cs typeface="Courier" charset="0"/>
+            </a:endParaRPr>
+          </a:p>
+          <a:p>
+            <a:pPr marL="0" indent="0">
+              <a:buNone/>
+            </a:pPr>
+            <a:r>
+              <a:rPr lang="en-US" sz="2400" dirty="0">
                 <a:latin typeface="Courier" charset="0"/>
                 <a:ea typeface="Courier" charset="0"/>
                 <a:cs typeface="Courier" charset="0"/>
@@ -6611,7 +6296,7 @@
               <a:buNone/>
             </a:pPr>
             <a:r>
-              <a:rPr lang="en-US" sz="2400" dirty="0" smtClean="0">
+              <a:rPr lang="en-US" sz="2400" dirty="0">
                 <a:latin typeface="Courier" charset="0"/>
                 <a:ea typeface="Courier" charset="0"/>
                 <a:cs typeface="Courier" charset="0"/>
@@ -6624,7 +6309,7 @@
               <a:buNone/>
             </a:pPr>
             <a:r>
-              <a:rPr lang="en-US" sz="2400" dirty="0" smtClean="0">
+              <a:rPr lang="en-US" sz="2400" dirty="0">
                 <a:latin typeface="Courier" charset="0"/>
                 <a:ea typeface="Courier" charset="0"/>
                 <a:cs typeface="Courier" charset="0"/>
@@ -6632,7 +6317,7 @@
               <a:t># task, </a:t>
             </a:r>
             <a:r>
-              <a:rPr lang="en-US" sz="2400" dirty="0" err="1" smtClean="0">
+              <a:rPr lang="en-US" sz="2400" dirty="0" err="1">
                 <a:latin typeface="Courier" charset="0"/>
                 <a:ea typeface="Courier" charset="0"/>
                 <a:cs typeface="Courier" charset="0"/>
@@ -6640,7 +6325,7 @@
               <a:t>swarmfile</a:t>
             </a:r>
             <a:r>
-              <a:rPr lang="en-US" sz="2400" dirty="0" smtClean="0">
+              <a:rPr lang="en-US" sz="2400" dirty="0">
                 <a:latin typeface="Courier" charset="0"/>
                 <a:ea typeface="Courier" charset="0"/>
                 <a:cs typeface="Courier" charset="0"/>
@@ -6653,52 +6338,12 @@
               <a:buNone/>
             </a:pPr>
             <a:r>
-              <a:rPr lang="en-US" sz="2400" dirty="0" smtClean="0">
-                <a:latin typeface="Courier" charset="0"/>
-                <a:ea typeface="Courier" charset="0"/>
-                <a:cs typeface="Courier" charset="0"/>
-              </a:rPr>
-              <a:t>$ </a:t>
-            </a:r>
-            <a:r>
               <a:rPr lang="en-US" sz="2400" dirty="0">
                 <a:latin typeface="Courier" charset="0"/>
                 <a:ea typeface="Courier" charset="0"/>
                 <a:cs typeface="Courier" charset="0"/>
               </a:rPr>
-              <a:t>swarm -g 4</a:t>
-            </a:r>
-            <a:r>
-              <a:rPr lang="en-US" sz="2400" dirty="0" smtClean="0">
-                <a:latin typeface="Courier" charset="0"/>
-                <a:ea typeface="Courier" charset="0"/>
-                <a:cs typeface="Courier" charset="0"/>
-              </a:rPr>
-              <a:t> </a:t>
-            </a:r>
-            <a:r>
-              <a:rPr lang="en-US" sz="2400" dirty="0">
-                <a:latin typeface="Courier" charset="0"/>
-                <a:ea typeface="Courier" charset="0"/>
-                <a:cs typeface="Courier" charset="0"/>
-              </a:rPr>
-              <a:t>-t </a:t>
-            </a:r>
-            <a:r>
-              <a:rPr lang="en-US" sz="2400" dirty="0" smtClean="0">
-                <a:latin typeface="Courier" charset="0"/>
-                <a:ea typeface="Courier" charset="0"/>
-                <a:cs typeface="Courier" charset="0"/>
-              </a:rPr>
-              <a:t>2 </a:t>
-            </a:r>
-            <a:r>
-              <a:rPr lang="en-US" sz="2400" dirty="0">
-                <a:latin typeface="Courier" charset="0"/>
-                <a:ea typeface="Courier" charset="0"/>
-                <a:cs typeface="Courier" charset="0"/>
-              </a:rPr>
-              <a:t>-f </a:t>
+              <a:t>$ swarm -g 4 -t 2 -f </a:t>
             </a:r>
             <a:r>
               <a:rPr lang="en-US" sz="2400" dirty="0" err="1">
@@ -6708,7 +6353,7 @@
               </a:rPr>
               <a:t>swarmfile</a:t>
             </a:r>
-            <a:endParaRPr lang="en-US" sz="2400" dirty="0" smtClean="0">
+            <a:endParaRPr lang="en-US" sz="2400" dirty="0">
               <a:latin typeface="Courier" charset="0"/>
               <a:ea typeface="Courier" charset="0"/>
               <a:cs typeface="Courier" charset="0"/>
@@ -6726,21 +6371,6 @@
   <p:clrMapOvr>
     <a:masterClrMapping/>
   </p:clrMapOvr>
-  <mc:AlternateContent xmlns:mc="http://schemas.openxmlformats.org/markup-compatibility/2006" xmlns:p14="http://schemas.microsoft.com/office/powerpoint/2010/main">
-    <mc:Choice Requires="p14">
-      <p:transition spd="slow" p14:dur="2000"/>
-    </mc:Choice>
-    <mc:Fallback xmlns="">
-      <p:transition xmlns:p14="http://schemas.microsoft.com/office/powerpoint/2010/main" spd="slow"/>
-    </mc:Fallback>
-  </mc:AlternateContent>
-  <p:timing>
-    <p:tnLst>
-      <p:par>
-        <p:cTn id="1" dur="indefinite" restart="never" nodeType="tmRoot"/>
-      </p:par>
-    </p:tnLst>
-  </p:timing>
 </p:sld>
 </file>
 
@@ -6780,10 +6410,9 @@
           <a:p>
             <a:pPr algn="ctr"/>
             <a:r>
-              <a:rPr lang="en-US" dirty="0" smtClean="0"/>
+              <a:rPr lang="en-US" dirty="0"/>
               <a:t>PARALLELIZATION</a:t>
             </a:r>
-            <a:endParaRPr lang="en-US" dirty="0"/>
           </a:p>
         </p:txBody>
       </p:sp>
@@ -6817,25 +6446,25 @@
               <a:t>SLURM on </a:t>
             </a:r>
             <a:r>
-              <a:rPr lang="en-US" u="sng" dirty="0" err="1" smtClean="0"/>
+              <a:rPr lang="en-US" u="sng" dirty="0" err="1"/>
               <a:t>Biowulf</a:t>
             </a:r>
             <a:r>
-              <a:rPr lang="en-US" u="sng" dirty="0" smtClean="0"/>
+              <a:rPr lang="en-US" u="sng" dirty="0"/>
               <a:t>: </a:t>
             </a:r>
             <a:r>
-              <a:rPr lang="en-US" u="sng" dirty="0" err="1" smtClean="0"/>
+              <a:rPr lang="en-US" u="sng" dirty="0" err="1"/>
               <a:t>Jobscript</a:t>
             </a:r>
-            <a:endParaRPr lang="en-US" u="sng" dirty="0" smtClean="0"/>
+            <a:endParaRPr lang="en-US" u="sng" dirty="0"/>
           </a:p>
           <a:p>
             <a:pPr marL="0" indent="0">
               <a:buNone/>
             </a:pPr>
             <a:r>
-              <a:rPr lang="en-US" sz="2400" dirty="0" smtClean="0">
+              <a:rPr lang="en-US" sz="2400" dirty="0">
                 <a:latin typeface="Courier" charset="0"/>
                 <a:ea typeface="Courier" charset="0"/>
                 <a:cs typeface="Courier" charset="0"/>
@@ -6848,7 +6477,7 @@
               <a:buNone/>
             </a:pPr>
             <a:r>
-              <a:rPr lang="en-US" sz="2400" dirty="0" smtClean="0">
+              <a:rPr lang="en-US" sz="2400" dirty="0">
                 <a:latin typeface="Courier" charset="0"/>
                 <a:ea typeface="Courier" charset="0"/>
                 <a:cs typeface="Courier" charset="0"/>
@@ -6856,7 +6485,7 @@
               <a:t># A </a:t>
             </a:r>
             <a:r>
-              <a:rPr lang="en-US" sz="2400" dirty="0" err="1" smtClean="0">
+              <a:rPr lang="en-US" sz="2400" dirty="0" err="1">
                 <a:latin typeface="Courier" charset="0"/>
                 <a:ea typeface="Courier" charset="0"/>
                 <a:cs typeface="Courier" charset="0"/>
@@ -6864,7 +6493,7 @@
               <a:t>jobscript</a:t>
             </a:r>
             <a:r>
-              <a:rPr lang="en-US" sz="2400" dirty="0" smtClean="0">
+              <a:rPr lang="en-US" sz="2400" dirty="0">
                 <a:latin typeface="Courier" charset="0"/>
                 <a:ea typeface="Courier" charset="0"/>
                 <a:cs typeface="Courier" charset="0"/>
@@ -6877,7 +6506,7 @@
               <a:buNone/>
             </a:pPr>
             <a:r>
-              <a:rPr lang="en-US" sz="2400" dirty="0" smtClean="0">
+              <a:rPr lang="en-US" sz="2400" dirty="0">
                 <a:latin typeface="Courier" charset="0"/>
                 <a:ea typeface="Courier" charset="0"/>
                 <a:cs typeface="Courier" charset="0"/>
@@ -6890,7 +6519,7 @@
               <a:buNone/>
             </a:pPr>
             <a:r>
-              <a:rPr lang="en-US" sz="2400" dirty="0" smtClean="0">
+              <a:rPr lang="en-US" sz="2400" dirty="0">
                 <a:latin typeface="Courier" charset="0"/>
                 <a:ea typeface="Courier" charset="0"/>
                 <a:cs typeface="Courier" charset="0"/>
@@ -6898,7 +6527,7 @@
               <a:t>#SBATCH --</a:t>
             </a:r>
             <a:r>
-              <a:rPr lang="en-US" sz="2400" dirty="0" err="1" smtClean="0">
+              <a:rPr lang="en-US" sz="2400" dirty="0" err="1">
                 <a:latin typeface="Courier" charset="0"/>
                 <a:ea typeface="Courier" charset="0"/>
                 <a:cs typeface="Courier" charset="0"/>
@@ -6906,7 +6535,7 @@
               <a:t>cpus</a:t>
             </a:r>
             <a:r>
-              <a:rPr lang="en-US" sz="2400" dirty="0" smtClean="0">
+              <a:rPr lang="en-US" sz="2400" dirty="0">
                 <a:latin typeface="Courier" charset="0"/>
                 <a:ea typeface="Courier" charset="0"/>
                 <a:cs typeface="Courier" charset="0"/>
@@ -6919,7 +6548,7 @@
               <a:buNone/>
             </a:pPr>
             <a:r>
-              <a:rPr lang="en-US" sz="2400" dirty="0" smtClean="0">
+              <a:rPr lang="en-US" sz="2400" dirty="0">
                 <a:latin typeface="Courier" charset="0"/>
                 <a:ea typeface="Courier" charset="0"/>
                 <a:cs typeface="Courier" charset="0"/>
@@ -6932,7 +6561,7 @@
               <a:buNone/>
             </a:pPr>
             <a:r>
-              <a:rPr lang="en-US" sz="2400" dirty="0" smtClean="0">
+              <a:rPr lang="en-US" sz="2400" dirty="0">
                 <a:latin typeface="Courier" charset="0"/>
                 <a:ea typeface="Courier" charset="0"/>
                 <a:cs typeface="Courier" charset="0"/>
@@ -6940,7 +6569,7 @@
               <a:t>align -t 4 </a:t>
             </a:r>
             <a:r>
-              <a:rPr lang="en-US" sz="2400" dirty="0" err="1" smtClean="0">
+              <a:rPr lang="en-US" sz="2400" dirty="0" err="1">
                 <a:latin typeface="Courier" charset="0"/>
                 <a:ea typeface="Courier" charset="0"/>
                 <a:cs typeface="Courier" charset="0"/>
@@ -6948,7 +6577,7 @@
               <a:t>test.fastq</a:t>
             </a:r>
             <a:r>
-              <a:rPr lang="en-US" sz="2400" dirty="0" smtClean="0">
+              <a:rPr lang="en-US" sz="2400" dirty="0">
                 <a:latin typeface="Courier" charset="0"/>
                 <a:ea typeface="Courier" charset="0"/>
                 <a:cs typeface="Courier" charset="0"/>
@@ -6956,14 +6585,14 @@
               <a:t> </a:t>
             </a:r>
             <a:r>
-              <a:rPr lang="en-US" sz="2400" dirty="0" err="1" smtClean="0">
+              <a:rPr lang="en-US" sz="2400" dirty="0" err="1">
                 <a:latin typeface="Courier" charset="0"/>
                 <a:ea typeface="Courier" charset="0"/>
                 <a:cs typeface="Courier" charset="0"/>
               </a:rPr>
               <a:t>test.bam</a:t>
             </a:r>
-            <a:endParaRPr lang="en-US" sz="2400" dirty="0" smtClean="0">
+            <a:endParaRPr lang="en-US" sz="2400" dirty="0">
               <a:latin typeface="Courier" charset="0"/>
               <a:ea typeface="Courier" charset="0"/>
               <a:cs typeface="Courier" charset="0"/>
@@ -6981,21 +6610,6 @@
   <p:clrMapOvr>
     <a:masterClrMapping/>
   </p:clrMapOvr>
-  <mc:AlternateContent xmlns:mc="http://schemas.openxmlformats.org/markup-compatibility/2006" xmlns:p14="http://schemas.microsoft.com/office/powerpoint/2010/main">
-    <mc:Choice Requires="p14">
-      <p:transition spd="slow" p14:dur="2000"/>
-    </mc:Choice>
-    <mc:Fallback xmlns="">
-      <p:transition xmlns:p14="http://schemas.microsoft.com/office/powerpoint/2010/main" spd="slow"/>
-    </mc:Fallback>
-  </mc:AlternateContent>
-  <p:timing>
-    <p:tnLst>
-      <p:par>
-        <p:cTn id="1" dur="indefinite" restart="never" nodeType="tmRoot"/>
-      </p:par>
-    </p:tnLst>
-  </p:timing>
 </p:sld>
 </file>
 
@@ -7035,10 +6649,9 @@
           <a:p>
             <a:pPr algn="ctr"/>
             <a:r>
-              <a:rPr lang="en-US" dirty="0" smtClean="0"/>
+              <a:rPr lang="en-US" dirty="0"/>
               <a:t>CONTAINERIZATION</a:t>
             </a:r>
-            <a:endParaRPr lang="en-US" dirty="0"/>
           </a:p>
         </p:txBody>
       </p:sp>
@@ -7065,33 +6678,33 @@
           <a:lstStyle/>
           <a:p>
             <a:r>
-              <a:rPr lang="en-US" dirty="0" smtClean="0"/>
+              <a:rPr lang="en-US" dirty="0"/>
               <a:t>As your analysis becomes more complex, you will rely on more and more different software</a:t>
             </a:r>
           </a:p>
           <a:p>
             <a:r>
-              <a:rPr lang="en-US" dirty="0" smtClean="0"/>
+              <a:rPr lang="en-US" dirty="0"/>
               <a:t>Behavior of software can change between versions</a:t>
             </a:r>
           </a:p>
           <a:p>
             <a:r>
-              <a:rPr lang="en-US" dirty="0" smtClean="0"/>
+              <a:rPr lang="en-US" dirty="0"/>
               <a:t>Some combinations of software will have specific dependencies, </a:t>
             </a:r>
             <a:r>
-              <a:rPr lang="en-US" i="1" dirty="0" smtClean="0"/>
+              <a:rPr lang="en-US" i="1" dirty="0"/>
               <a:t>e.g. </a:t>
             </a:r>
             <a:r>
-              <a:rPr lang="en-US" dirty="0" smtClean="0"/>
+              <a:rPr lang="en-US" dirty="0"/>
               <a:t>version 1.1 of software X depends on version 2.4 of software Y</a:t>
             </a:r>
           </a:p>
           <a:p>
             <a:r>
-              <a:rPr lang="en-US" dirty="0" smtClean="0"/>
+              <a:rPr lang="en-US" dirty="0"/>
               <a:t>Installing and managing all these different tools can be a big pain</a:t>
             </a:r>
           </a:p>
@@ -7107,21 +6720,6 @@
   <p:clrMapOvr>
     <a:masterClrMapping/>
   </p:clrMapOvr>
-  <mc:AlternateContent xmlns:mc="http://schemas.openxmlformats.org/markup-compatibility/2006" xmlns:p14="http://schemas.microsoft.com/office/powerpoint/2010/main">
-    <mc:Choice Requires="p14">
-      <p:transition spd="slow" p14:dur="2000"/>
-    </mc:Choice>
-    <mc:Fallback xmlns="">
-      <p:transition xmlns:p14="http://schemas.microsoft.com/office/powerpoint/2010/main" spd="slow"/>
-    </mc:Fallback>
-  </mc:AlternateContent>
-  <p:timing>
-    <p:tnLst>
-      <p:par>
-        <p:cTn id="1" dur="indefinite" restart="never" nodeType="tmRoot"/>
-      </p:par>
-    </p:tnLst>
-  </p:timing>
 </p:sld>
 </file>
 
@@ -7161,10 +6759,9 @@
           <a:p>
             <a:pPr algn="ctr"/>
             <a:r>
-              <a:rPr lang="en-US" dirty="0" smtClean="0"/>
+              <a:rPr lang="en-US" dirty="0"/>
               <a:t>CONTAINERIZATION</a:t>
             </a:r>
-            <a:endParaRPr lang="en-US" dirty="0"/>
           </a:p>
         </p:txBody>
       </p:sp>
@@ -7191,66 +6788,56 @@
           <a:lstStyle/>
           <a:p>
             <a:r>
-              <a:rPr lang="en-US" dirty="0" smtClean="0"/>
+              <a:rPr lang="en-US" dirty="0"/>
               <a:t>A software container is a virtual machine environment that contains installations of specific versions of one or more software programs</a:t>
             </a:r>
           </a:p>
           <a:p>
             <a:r>
-              <a:rPr lang="en-US" dirty="0" smtClean="0"/>
+              <a:rPr lang="en-US" dirty="0"/>
               <a:t>Once you get your container set up, you can run it on any machine </a:t>
             </a:r>
             <a:r>
-              <a:rPr lang="mr-IN" dirty="0" smtClean="0"/>
+              <a:rPr lang="mr-IN" dirty="0"/>
               <a:t>–</a:t>
             </a:r>
             <a:r>
-              <a:rPr lang="en-US" dirty="0" smtClean="0"/>
+              <a:rPr lang="en-US" dirty="0"/>
               <a:t> “install once, run everywhere”</a:t>
             </a:r>
           </a:p>
           <a:p>
             <a:r>
-              <a:rPr lang="en-US" dirty="0" smtClean="0"/>
+              <a:rPr lang="en-US" dirty="0"/>
               <a:t>Docker is the most popular containerization system </a:t>
             </a:r>
             <a:r>
-              <a:rPr lang="mr-IN" dirty="0" smtClean="0"/>
+              <a:rPr lang="mr-IN" dirty="0"/>
               <a:t>–</a:t>
             </a:r>
             <a:r>
-              <a:rPr lang="en-US" dirty="0" smtClean="0"/>
-              <a:t> </a:t>
-            </a:r>
-            <a:r>
-              <a:rPr lang="en-US" dirty="0"/>
-              <a:t>many bioinformatics tools already available: </a:t>
+              <a:rPr lang="en-US" dirty="0"/>
+              <a:t> many bioinformatics tools already available: </a:t>
             </a:r>
             <a:r>
               <a:rPr lang="en-US" dirty="0">
                 <a:hlinkClick r:id="rId2"/>
               </a:rPr>
-              <a:t>http://</a:t>
-            </a:r>
-            <a:r>
-              <a:rPr lang="en-US" dirty="0" smtClean="0">
-                <a:hlinkClick r:id="rId2"/>
-              </a:rPr>
-              <a:t>biocontainers.pro/registry</a:t>
+              <a:t>http://biocontainers.pro/registry</a:t>
             </a:r>
             <a:endParaRPr lang="en-US" dirty="0"/>
           </a:p>
           <a:p>
             <a:r>
-              <a:rPr lang="en-US" dirty="0" smtClean="0"/>
+              <a:rPr lang="en-US" dirty="0"/>
               <a:t>Singularity runs on any </a:t>
             </a:r>
             <a:r>
-              <a:rPr lang="en-US" dirty="0" err="1" smtClean="0"/>
+              <a:rPr lang="en-US" dirty="0" err="1"/>
               <a:t>linux</a:t>
             </a:r>
             <a:r>
-              <a:rPr lang="en-US" dirty="0" smtClean="0"/>
+              <a:rPr lang="en-US" dirty="0"/>
               <a:t> system and can run Docker containers</a:t>
             </a:r>
           </a:p>
@@ -7266,21 +6853,6 @@
   <p:clrMapOvr>
     <a:masterClrMapping/>
   </p:clrMapOvr>
-  <mc:AlternateContent xmlns:mc="http://schemas.openxmlformats.org/markup-compatibility/2006" xmlns:p14="http://schemas.microsoft.com/office/powerpoint/2010/main">
-    <mc:Choice Requires="p14">
-      <p:transition spd="slow" p14:dur="2000"/>
-    </mc:Choice>
-    <mc:Fallback xmlns="">
-      <p:transition xmlns:p14="http://schemas.microsoft.com/office/powerpoint/2010/main" spd="slow"/>
-    </mc:Fallback>
-  </mc:AlternateContent>
-  <p:timing>
-    <p:tnLst>
-      <p:par>
-        <p:cTn id="1" dur="indefinite" restart="never" nodeType="tmRoot"/>
-      </p:par>
-    </p:tnLst>
-  </p:timing>
 </p:sld>
 </file>
 
@@ -7320,10 +6892,9 @@
           <a:p>
             <a:pPr algn="ctr"/>
             <a:r>
-              <a:rPr lang="en-US" dirty="0" smtClean="0"/>
+              <a:rPr lang="en-US" dirty="0"/>
               <a:t>PIPELINES</a:t>
             </a:r>
-            <a:endParaRPr lang="en-US" dirty="0"/>
           </a:p>
         </p:txBody>
       </p:sp>
@@ -7350,25 +6921,25 @@
           <a:lstStyle/>
           <a:p>
             <a:r>
-              <a:rPr lang="en-US" dirty="0" smtClean="0"/>
+              <a:rPr lang="en-US" dirty="0"/>
               <a:t>As your analysis becomes more complex, you will need to coordinate many processes, including dependent jobs that need to wait for others to finish and then use the results</a:t>
             </a:r>
           </a:p>
           <a:p>
             <a:r>
-              <a:rPr lang="en-US" dirty="0" smtClean="0"/>
+              <a:rPr lang="en-US" dirty="0"/>
               <a:t>There are many “off-the-shelf” pipelines for common bioinformatics workflows</a:t>
             </a:r>
           </a:p>
           <a:p>
             <a:r>
-              <a:rPr lang="en-US" dirty="0" smtClean="0"/>
+              <a:rPr lang="en-US" dirty="0"/>
               <a:t>There are also many frameworks for writing your own pipelines</a:t>
             </a:r>
           </a:p>
           <a:p>
             <a:pPr lvl="1"/>
-            <a:endParaRPr lang="en-US" dirty="0" smtClean="0"/>
+            <a:endParaRPr lang="en-US" dirty="0"/>
           </a:p>
         </p:txBody>
       </p:sp>
@@ -7382,21 +6953,6 @@
   <p:clrMapOvr>
     <a:masterClrMapping/>
   </p:clrMapOvr>
-  <mc:AlternateContent xmlns:mc="http://schemas.openxmlformats.org/markup-compatibility/2006" xmlns:p14="http://schemas.microsoft.com/office/powerpoint/2010/main">
-    <mc:Choice Requires="p14">
-      <p:transition spd="slow" p14:dur="2000"/>
-    </mc:Choice>
-    <mc:Fallback xmlns="">
-      <p:transition xmlns:p14="http://schemas.microsoft.com/office/powerpoint/2010/main" spd="slow"/>
-    </mc:Fallback>
-  </mc:AlternateContent>
-  <p:timing>
-    <p:tnLst>
-      <p:par>
-        <p:cTn id="1" dur="indefinite" restart="never" nodeType="tmRoot"/>
-      </p:par>
-    </p:tnLst>
-  </p:timing>
 </p:sld>
 </file>
 
@@ -7436,10 +6992,9 @@
           <a:p>
             <a:pPr algn="ctr"/>
             <a:r>
-              <a:rPr lang="en-US" dirty="0" smtClean="0"/>
+              <a:rPr lang="en-US" dirty="0"/>
               <a:t>PIPELINES</a:t>
             </a:r>
-            <a:endParaRPr lang="en-US" dirty="0"/>
           </a:p>
         </p:txBody>
       </p:sp>
@@ -7466,26 +7021,26 @@
           <a:lstStyle/>
           <a:p>
             <a:r>
-              <a:rPr lang="en-US" dirty="0" smtClean="0"/>
+              <a:rPr lang="en-US" dirty="0"/>
               <a:t>As your analysis becomes more complex, you will need to coordinate many processes, including dependent jobs that need to wait for others to finish and then use the results</a:t>
             </a:r>
           </a:p>
           <a:p>
             <a:r>
-              <a:rPr lang="en-US" dirty="0" smtClean="0"/>
+              <a:rPr lang="en-US" dirty="0"/>
               <a:t>There are many “off-the-shelf” pipelines for common bioinformatics workflows</a:t>
             </a:r>
           </a:p>
           <a:p>
             <a:r>
-              <a:rPr lang="en-US" smtClean="0"/>
+              <a:rPr lang="en-US"/>
               <a:t>There are also many frameworks for writing your own pipelines</a:t>
             </a:r>
-            <a:endParaRPr lang="en-US" dirty="0" smtClean="0"/>
+            <a:endParaRPr lang="en-US" dirty="0"/>
           </a:p>
           <a:p>
             <a:pPr lvl="1"/>
-            <a:endParaRPr lang="en-US" dirty="0" smtClean="0"/>
+            <a:endParaRPr lang="en-US" dirty="0"/>
           </a:p>
         </p:txBody>
       </p:sp>
@@ -7499,21 +7054,6 @@
   <p:clrMapOvr>
     <a:masterClrMapping/>
   </p:clrMapOvr>
-  <mc:AlternateContent xmlns:mc="http://schemas.openxmlformats.org/markup-compatibility/2006" xmlns:p14="http://schemas.microsoft.com/office/powerpoint/2010/main">
-    <mc:Choice Requires="p14">
-      <p:transition spd="slow" p14:dur="2000"/>
-    </mc:Choice>
-    <mc:Fallback xmlns="">
-      <p:transition xmlns:p14="http://schemas.microsoft.com/office/powerpoint/2010/main" spd="slow"/>
-    </mc:Fallback>
-  </mc:AlternateContent>
-  <p:timing>
-    <p:tnLst>
-      <p:par>
-        <p:cTn id="1" dur="indefinite" restart="never" nodeType="tmRoot"/>
-      </p:par>
-    </p:tnLst>
-  </p:timing>
 </p:sld>
 </file>
 
@@ -7553,10 +7093,9 @@
           <a:p>
             <a:pPr algn="ctr"/>
             <a:r>
-              <a:rPr lang="en-US" dirty="0" smtClean="0"/>
+              <a:rPr lang="en-US" dirty="0"/>
               <a:t>PIPELINES</a:t>
             </a:r>
-            <a:endParaRPr lang="en-US" dirty="0"/>
           </a:p>
         </p:txBody>
       </p:sp>
@@ -7586,13 +7125,13 @@
               <a:buNone/>
             </a:pPr>
             <a:r>
-              <a:rPr lang="en-US" u="sng" dirty="0" smtClean="0"/>
+              <a:rPr lang="en-US" u="sng" dirty="0"/>
               <a:t>Off the Shelf Pipelines</a:t>
             </a:r>
           </a:p>
           <a:p>
             <a:r>
-              <a:rPr lang="en-US" dirty="0" err="1" smtClean="0"/>
+              <a:rPr lang="en-US" dirty="0" err="1"/>
               <a:t>bcbio</a:t>
             </a:r>
             <a:r>
@@ -7603,34 +7142,28 @@
               <a:rPr lang="en-US" dirty="0">
                 <a:hlinkClick r:id="rId2"/>
               </a:rPr>
-              <a:t>https://</a:t>
-            </a:r>
-            <a:r>
-              <a:rPr lang="en-US" dirty="0" smtClean="0">
-                <a:hlinkClick r:id="rId2"/>
-              </a:rPr>
-              <a:t>bcbio-nextgen.readthedocs.io</a:t>
-            </a:r>
-            <a:endParaRPr lang="en-US" dirty="0" smtClean="0"/>
+              <a:t>https://bcbio-nextgen.readthedocs.io</a:t>
+            </a:r>
+            <a:endParaRPr lang="en-US" dirty="0"/>
           </a:p>
           <a:p>
             <a:pPr lvl="1"/>
             <a:r>
-              <a:rPr lang="en-US" dirty="0" smtClean="0"/>
+              <a:rPr lang="en-US" dirty="0"/>
               <a:t>Install on your own machine/HPC environment</a:t>
             </a:r>
           </a:p>
           <a:p>
             <a:pPr lvl="1"/>
             <a:r>
-              <a:rPr lang="en-US" dirty="0" smtClean="0"/>
+              <a:rPr lang="en-US" dirty="0"/>
               <a:t>Many pipelines for variant analysis, RNA-Seq, ChIP-Seq</a:t>
             </a:r>
           </a:p>
           <a:p>
             <a:pPr lvl="1"/>
             <a:r>
-              <a:rPr lang="en-US" dirty="0" smtClean="0"/>
+              <a:rPr lang="en-US" dirty="0"/>
               <a:t>Carefully benchmarked and validated</a:t>
             </a:r>
           </a:p>
@@ -7643,36 +7176,30 @@
               <a:rPr lang="en-US" dirty="0">
                 <a:hlinkClick r:id="rId3"/>
               </a:rPr>
-              <a:t>https://usegalaxy.org</a:t>
-            </a:r>
-            <a:r>
-              <a:rPr lang="en-US" dirty="0" smtClean="0">
-                <a:hlinkClick r:id="rId3"/>
-              </a:rPr>
-              <a:t>/</a:t>
-            </a:r>
-            <a:endParaRPr lang="en-US" dirty="0" smtClean="0"/>
+              <a:t>https://usegalaxy.org/</a:t>
+            </a:r>
+            <a:endParaRPr lang="en-US" dirty="0"/>
           </a:p>
           <a:p>
             <a:pPr lvl="1"/>
             <a:r>
-              <a:rPr lang="en-US" dirty="0" smtClean="0"/>
+              <a:rPr lang="en-US" dirty="0"/>
               <a:t>Lots of NGS tools - customize using drag and drop, connect them together visually</a:t>
             </a:r>
           </a:p>
           <a:p>
             <a:pPr lvl="1"/>
             <a:r>
-              <a:rPr lang="en-US" dirty="0" smtClean="0"/>
+              <a:rPr lang="en-US" dirty="0"/>
               <a:t>Upload your data, run “in the cloud”</a:t>
             </a:r>
           </a:p>
           <a:p>
-            <a:endParaRPr lang="en-US" dirty="0" smtClean="0"/>
+            <a:endParaRPr lang="en-US" dirty="0"/>
           </a:p>
           <a:p>
             <a:pPr lvl="1"/>
-            <a:endParaRPr lang="en-US" dirty="0" smtClean="0"/>
+            <a:endParaRPr lang="en-US" dirty="0"/>
           </a:p>
         </p:txBody>
       </p:sp>
@@ -7686,21 +7213,6 @@
   <p:clrMapOvr>
     <a:masterClrMapping/>
   </p:clrMapOvr>
-  <mc:AlternateContent xmlns:mc="http://schemas.openxmlformats.org/markup-compatibility/2006" xmlns:p14="http://schemas.microsoft.com/office/powerpoint/2010/main">
-    <mc:Choice Requires="p14">
-      <p:transition spd="slow" p14:dur="2000"/>
-    </mc:Choice>
-    <mc:Fallback xmlns="">
-      <p:transition xmlns:p14="http://schemas.microsoft.com/office/powerpoint/2010/main" spd="slow"/>
-    </mc:Fallback>
-  </mc:AlternateContent>
-  <p:timing>
-    <p:tnLst>
-      <p:par>
-        <p:cTn id="1" dur="indefinite" restart="never" nodeType="tmRoot"/>
-      </p:par>
-    </p:tnLst>
-  </p:timing>
 </p:sld>
 </file>
 
@@ -7740,10 +7252,9 @@
           <a:p>
             <a:pPr algn="ctr"/>
             <a:r>
-              <a:rPr lang="en-US" dirty="0" smtClean="0"/>
+              <a:rPr lang="en-US" dirty="0"/>
               <a:t>PIPELINES</a:t>
             </a:r>
-            <a:endParaRPr lang="en-US" dirty="0"/>
           </a:p>
         </p:txBody>
       </p:sp>
@@ -7773,48 +7284,48 @@
               <a:buNone/>
             </a:pPr>
             <a:r>
-              <a:rPr lang="en-US" u="sng" dirty="0" smtClean="0"/>
+              <a:rPr lang="en-US" u="sng" dirty="0"/>
               <a:t>Pipeline Frameworks</a:t>
             </a:r>
           </a:p>
           <a:p>
             <a:r>
-              <a:rPr lang="en-US" dirty="0" smtClean="0"/>
+              <a:rPr lang="en-US" dirty="0"/>
               <a:t>Define inputs, commands, and expected outputs</a:t>
             </a:r>
           </a:p>
           <a:p>
             <a:r>
-              <a:rPr lang="en-US" dirty="0" smtClean="0"/>
+              <a:rPr lang="en-US" dirty="0"/>
               <a:t>Job manager will take care of scheduling and running the right sequence of commands</a:t>
             </a:r>
           </a:p>
           <a:p>
             <a:r>
-              <a:rPr lang="en-US" dirty="0" smtClean="0"/>
+              <a:rPr lang="en-US" dirty="0"/>
               <a:t>Independent of job schedulers </a:t>
             </a:r>
             <a:r>
-              <a:rPr lang="mr-IN" dirty="0" smtClean="0"/>
+              <a:rPr lang="mr-IN" dirty="0"/>
               <a:t>–</a:t>
             </a:r>
             <a:r>
-              <a:rPr lang="en-US" dirty="0" smtClean="0"/>
+              <a:rPr lang="en-US" dirty="0"/>
               <a:t> run the same pipeline on your laptop or on any HPC environment</a:t>
             </a:r>
           </a:p>
           <a:p>
             <a:r>
-              <a:rPr lang="en-US" dirty="0" smtClean="0"/>
+              <a:rPr lang="en-US" dirty="0"/>
               <a:t>Publish the pipeline with your paper so others can easily reproduce your work</a:t>
             </a:r>
           </a:p>
           <a:p>
-            <a:endParaRPr lang="en-US" dirty="0" smtClean="0"/>
+            <a:endParaRPr lang="en-US" dirty="0"/>
           </a:p>
           <a:p>
             <a:pPr lvl="1"/>
-            <a:endParaRPr lang="en-US" dirty="0" smtClean="0"/>
+            <a:endParaRPr lang="en-US" dirty="0"/>
           </a:p>
         </p:txBody>
       </p:sp>
@@ -7828,21 +7339,6 @@
   <p:clrMapOvr>
     <a:masterClrMapping/>
   </p:clrMapOvr>
-  <mc:AlternateContent xmlns:mc="http://schemas.openxmlformats.org/markup-compatibility/2006" xmlns:p14="http://schemas.microsoft.com/office/powerpoint/2010/main">
-    <mc:Choice Requires="p14">
-      <p:transition spd="slow" p14:dur="2000"/>
-    </mc:Choice>
-    <mc:Fallback xmlns="">
-      <p:transition xmlns:p14="http://schemas.microsoft.com/office/powerpoint/2010/main" spd="slow"/>
-    </mc:Fallback>
-  </mc:AlternateContent>
-  <p:timing>
-    <p:tnLst>
-      <p:par>
-        <p:cTn id="1" dur="indefinite" restart="never" nodeType="tmRoot"/>
-      </p:par>
-    </p:tnLst>
-  </p:timing>
 </p:sld>
 </file>
 
@@ -7882,10 +7378,9 @@
           <a:p>
             <a:pPr algn="ctr"/>
             <a:r>
-              <a:rPr lang="en-US" dirty="0" smtClean="0"/>
+              <a:rPr lang="en-US" dirty="0"/>
               <a:t>PIPELINES</a:t>
             </a:r>
-            <a:endParaRPr lang="en-US" dirty="0"/>
           </a:p>
         </p:txBody>
       </p:sp>
@@ -7915,13 +7410,13 @@
               <a:buNone/>
             </a:pPr>
             <a:r>
-              <a:rPr lang="en-US" u="sng" dirty="0" smtClean="0"/>
+              <a:rPr lang="en-US" u="sng" dirty="0"/>
               <a:t>Pipeline Frameworks</a:t>
             </a:r>
           </a:p>
           <a:p>
             <a:r>
-              <a:rPr lang="en-US" dirty="0" err="1" smtClean="0"/>
+              <a:rPr lang="en-US" dirty="0" err="1"/>
               <a:t>Snakemake</a:t>
             </a:r>
             <a:r>
@@ -7932,27 +7427,20 @@
               <a:rPr lang="en-US" dirty="0">
                 <a:hlinkClick r:id="rId2"/>
               </a:rPr>
-              <a:t>https://snakemake.readthedocs.io/en/stable</a:t>
-            </a:r>
-            <a:r>
-              <a:rPr lang="en-US" dirty="0" smtClean="0">
-                <a:hlinkClick r:id="rId2"/>
-              </a:rPr>
-              <a:t>/</a:t>
-            </a:r>
-            <a:endParaRPr lang="en-US" dirty="0" smtClean="0"/>
+              <a:t>https://snakemake.readthedocs.io/en/stable/</a:t>
+            </a:r>
+            <a:endParaRPr lang="en-US" dirty="0"/>
           </a:p>
           <a:p>
             <a:pPr lvl="1"/>
             <a:r>
-              <a:rPr lang="en-US" dirty="0" smtClean="0"/>
+              <a:rPr lang="en-US" dirty="0"/>
               <a:t>Very flexible; requires learning some python</a:t>
             </a:r>
-            <a:endParaRPr lang="en-US" dirty="0"/>
-          </a:p>
-          <a:p>
-            <a:r>
-              <a:rPr lang="en-US" dirty="0" err="1" smtClean="0"/>
+          </a:p>
+          <a:p>
+            <a:r>
+              <a:rPr lang="en-US" dirty="0" err="1"/>
               <a:t>Nextflow</a:t>
             </a:r>
             <a:r>
@@ -7963,60 +7451,50 @@
               <a:rPr lang="en-US" dirty="0">
                 <a:hlinkClick r:id="rId3"/>
               </a:rPr>
-              <a:t>https://www.nextflow.io</a:t>
-            </a:r>
-            <a:r>
-              <a:rPr lang="en-US" dirty="0" smtClean="0">
-                <a:hlinkClick r:id="rId3"/>
-              </a:rPr>
-              <a:t>/</a:t>
+              <a:t>https://www.nextflow.io/</a:t>
             </a:r>
             <a:endParaRPr lang="en-US" dirty="0"/>
           </a:p>
           <a:p>
             <a:pPr lvl="1"/>
             <a:r>
-              <a:rPr lang="en-US" dirty="0" smtClean="0"/>
+              <a:rPr lang="en-US" dirty="0"/>
               <a:t>Supports Docker and Singularity</a:t>
             </a:r>
           </a:p>
           <a:p>
             <a:r>
-              <a:rPr lang="en-US" dirty="0" smtClean="0"/>
-              <a:t>Toil: https</a:t>
-            </a:r>
-            <a:r>
-              <a:rPr lang="en-US" dirty="0"/>
-              <a:t>://</a:t>
+              <a:rPr lang="en-US" dirty="0"/>
+              <a:t>Toil: https://</a:t>
             </a:r>
             <a:r>
               <a:rPr lang="en-US" dirty="0" err="1"/>
               <a:t>toil.readthedocs.io</a:t>
             </a:r>
-            <a:endParaRPr lang="en-US" dirty="0" smtClean="0"/>
+            <a:endParaRPr lang="en-US" dirty="0"/>
           </a:p>
           <a:p>
             <a:pPr lvl="1"/>
             <a:r>
-              <a:rPr lang="en-US" dirty="0" smtClean="0"/>
+              <a:rPr lang="en-US" dirty="0"/>
               <a:t>Based on the Common </a:t>
             </a:r>
             <a:r>
-              <a:rPr lang="en-US" smtClean="0"/>
+              <a:rPr lang="en-US"/>
               <a:t>Workflow Language (CWL) </a:t>
             </a:r>
             <a:r>
-              <a:rPr lang="mr-IN" dirty="0" smtClean="0"/>
+              <a:rPr lang="mr-IN" dirty="0"/>
               <a:t>–</a:t>
             </a:r>
             <a:r>
-              <a:rPr lang="en-US" dirty="0" smtClean="0"/>
+              <a:rPr lang="en-US" dirty="0"/>
               <a:t> many tools already CWL enabled</a:t>
             </a:r>
           </a:p>
           <a:p>
             <a:pPr lvl="1"/>
-            <a:endParaRPr lang="en-US" dirty="0" smtClean="0"/>
+            <a:endParaRPr lang="en-US" dirty="0"/>
           </a:p>
         </p:txBody>
       </p:sp>
@@ -8030,21 +7508,6 @@
   <p:clrMapOvr>
     <a:masterClrMapping/>
   </p:clrMapOvr>
-  <mc:AlternateContent xmlns:mc="http://schemas.openxmlformats.org/markup-compatibility/2006" xmlns:p14="http://schemas.microsoft.com/office/powerpoint/2010/main">
-    <mc:Choice Requires="p14">
-      <p:transition spd="slow" p14:dur="2000"/>
-    </mc:Choice>
-    <mc:Fallback xmlns="">
-      <p:transition xmlns:p14="http://schemas.microsoft.com/office/powerpoint/2010/main" spd="slow"/>
-    </mc:Fallback>
-  </mc:AlternateContent>
-  <p:timing>
-    <p:tnLst>
-      <p:par>
-        <p:cTn id="1" dur="indefinite" restart="never" nodeType="tmRoot"/>
-      </p:par>
-    </p:tnLst>
-  </p:timing>
 </p:sld>
 </file>
 
@@ -8084,10 +7547,9 @@
           <a:p>
             <a:pPr algn="ctr"/>
             <a:r>
-              <a:rPr lang="en-US" dirty="0" smtClean="0"/>
+              <a:rPr lang="en-US" dirty="0"/>
               <a:t>SCRIPTING</a:t>
             </a:r>
-            <a:endParaRPr lang="en-US" dirty="0"/>
           </a:p>
         </p:txBody>
       </p:sp>
@@ -8117,75 +7579,75 @@
               <a:buNone/>
             </a:pPr>
             <a:r>
-              <a:rPr lang="en-US" u="sng" dirty="0" smtClean="0"/>
+              <a:rPr lang="en-US" u="sng" dirty="0"/>
               <a:t>File Organization</a:t>
             </a:r>
           </a:p>
           <a:p>
             <a:r>
-              <a:rPr lang="en-US" dirty="0" err="1" smtClean="0"/>
+              <a:rPr lang="en-US" dirty="0" err="1"/>
               <a:t>projectA</a:t>
             </a:r>
-            <a:endParaRPr lang="en-US" dirty="0" smtClean="0"/>
+            <a:endParaRPr lang="en-US" dirty="0"/>
           </a:p>
           <a:p>
             <a:pPr lvl="1"/>
             <a:r>
-              <a:rPr lang="en-US" dirty="0" smtClean="0"/>
+              <a:rPr lang="en-US" dirty="0"/>
               <a:t>input (</a:t>
             </a:r>
             <a:r>
-              <a:rPr lang="en-US" dirty="0" err="1" smtClean="0"/>
+              <a:rPr lang="en-US" dirty="0" err="1"/>
               <a:t>chmod</a:t>
             </a:r>
             <a:r>
-              <a:rPr lang="en-US" dirty="0" smtClean="0"/>
+              <a:rPr lang="en-US" dirty="0"/>
               <a:t> -R 440 input)</a:t>
             </a:r>
           </a:p>
           <a:p>
             <a:pPr lvl="1"/>
             <a:r>
-              <a:rPr lang="en-US" dirty="0" smtClean="0"/>
+              <a:rPr lang="en-US" dirty="0"/>
               <a:t>tool1_output</a:t>
             </a:r>
           </a:p>
           <a:p>
             <a:pPr lvl="1"/>
             <a:r>
-              <a:rPr lang="en-US" dirty="0" smtClean="0"/>
+              <a:rPr lang="en-US" dirty="0"/>
               <a:t>tool2_output</a:t>
             </a:r>
           </a:p>
           <a:p>
             <a:pPr lvl="1"/>
             <a:r>
-              <a:rPr lang="mr-IN" dirty="0" smtClean="0"/>
+              <a:rPr lang="mr-IN" dirty="0"/>
               <a:t>…</a:t>
             </a:r>
-            <a:endParaRPr lang="en-US" dirty="0" smtClean="0"/>
+            <a:endParaRPr lang="en-US" dirty="0"/>
           </a:p>
           <a:p>
             <a:pPr lvl="1"/>
             <a:r>
-              <a:rPr lang="en-US" dirty="0" smtClean="0"/>
+              <a:rPr lang="en-US" dirty="0"/>
               <a:t>analysis1</a:t>
             </a:r>
           </a:p>
           <a:p>
             <a:pPr lvl="1"/>
             <a:r>
-              <a:rPr lang="en-US" dirty="0" smtClean="0"/>
+              <a:rPr lang="en-US" dirty="0"/>
               <a:t>analysis2</a:t>
             </a:r>
           </a:p>
           <a:p>
             <a:pPr lvl="1"/>
             <a:r>
-              <a:rPr lang="mr-IN" smtClean="0"/>
+              <a:rPr lang="mr-IN"/>
               <a:t>…</a:t>
             </a:r>
-            <a:endParaRPr lang="en-US" dirty="0" smtClean="0"/>
+            <a:endParaRPr lang="en-US" dirty="0"/>
           </a:p>
         </p:txBody>
       </p:sp>
@@ -8199,21 +7661,6 @@
   <p:clrMapOvr>
     <a:masterClrMapping/>
   </p:clrMapOvr>
-  <mc:AlternateContent xmlns:mc="http://schemas.openxmlformats.org/markup-compatibility/2006" xmlns:p14="http://schemas.microsoft.com/office/powerpoint/2010/main">
-    <mc:Choice Requires="p14">
-      <p:transition spd="slow" p14:dur="2000"/>
-    </mc:Choice>
-    <mc:Fallback xmlns="">
-      <p:transition xmlns:p14="http://schemas.microsoft.com/office/powerpoint/2010/main" spd="slow"/>
-    </mc:Fallback>
-  </mc:AlternateContent>
-  <p:timing>
-    <p:tnLst>
-      <p:par>
-        <p:cTn id="1" dur="indefinite" restart="never" nodeType="tmRoot"/>
-      </p:par>
-    </p:tnLst>
-  </p:timing>
 </p:sld>
 </file>
 
@@ -8253,10 +7700,9 @@
           <a:p>
             <a:pPr algn="ctr"/>
             <a:r>
-              <a:rPr lang="en-US" dirty="0" smtClean="0"/>
+              <a:rPr lang="en-US" dirty="0"/>
               <a:t>SCRIPTING</a:t>
             </a:r>
-            <a:endParaRPr lang="en-US" dirty="0"/>
           </a:p>
         </p:txBody>
       </p:sp>
@@ -8286,47 +7732,47 @@
               <a:buNone/>
             </a:pPr>
             <a:r>
-              <a:rPr lang="en-US" u="sng" dirty="0" smtClean="0"/>
+              <a:rPr lang="en-US" u="sng" dirty="0"/>
               <a:t>Scripting vs Programming</a:t>
             </a:r>
           </a:p>
           <a:p>
             <a:r>
-              <a:rPr lang="en-US" dirty="0" smtClean="0"/>
+              <a:rPr lang="en-US" dirty="0"/>
               <a:t>They’re really the same thing </a:t>
             </a:r>
             <a:r>
-              <a:rPr lang="mr-IN" dirty="0" smtClean="0"/>
+              <a:rPr lang="mr-IN" dirty="0"/>
               <a:t>–</a:t>
             </a:r>
             <a:r>
-              <a:rPr lang="en-US" dirty="0" smtClean="0"/>
+              <a:rPr lang="en-US" dirty="0"/>
               <a:t> scripting is a kind of programming</a:t>
             </a:r>
           </a:p>
           <a:p>
             <a:pPr lvl="1"/>
             <a:r>
-              <a:rPr lang="en-US" dirty="0" smtClean="0"/>
+              <a:rPr lang="en-US" dirty="0"/>
               <a:t>Typically, scripting is used to refer to programs that call other programs </a:t>
             </a:r>
             <a:r>
-              <a:rPr lang="mr-IN" dirty="0" smtClean="0"/>
+              <a:rPr lang="mr-IN" dirty="0"/>
               <a:t>–</a:t>
             </a:r>
             <a:r>
-              <a:rPr lang="en-US" dirty="0" smtClean="0"/>
+              <a:rPr lang="en-US" dirty="0"/>
               <a:t> a “script” of your analysis</a:t>
             </a:r>
           </a:p>
           <a:p>
             <a:r>
-              <a:rPr lang="en-US" dirty="0" smtClean="0"/>
+              <a:rPr lang="en-US" dirty="0"/>
               <a:t>Bash is the most commonly used language for scripting, but there are many other options (python, R, ruby, and more specialized tools)</a:t>
             </a:r>
           </a:p>
           <a:p>
-            <a:endParaRPr lang="en-US" dirty="0" smtClean="0"/>
+            <a:endParaRPr lang="en-US" dirty="0"/>
           </a:p>
         </p:txBody>
       </p:sp>
@@ -8340,21 +7786,6 @@
   <p:clrMapOvr>
     <a:masterClrMapping/>
   </p:clrMapOvr>
-  <mc:AlternateContent xmlns:mc="http://schemas.openxmlformats.org/markup-compatibility/2006" xmlns:p14="http://schemas.microsoft.com/office/powerpoint/2010/main">
-    <mc:Choice Requires="p14">
-      <p:transition spd="slow" p14:dur="2000"/>
-    </mc:Choice>
-    <mc:Fallback xmlns="">
-      <p:transition xmlns:p14="http://schemas.microsoft.com/office/powerpoint/2010/main" spd="slow"/>
-    </mc:Fallback>
-  </mc:AlternateContent>
-  <p:timing>
-    <p:tnLst>
-      <p:par>
-        <p:cTn id="1" dur="indefinite" restart="never" nodeType="tmRoot"/>
-      </p:par>
-    </p:tnLst>
-  </p:timing>
 </p:sld>
 </file>
 
@@ -8394,10 +7825,9 @@
           <a:p>
             <a:pPr algn="ctr"/>
             <a:r>
-              <a:rPr lang="en-US" dirty="0" smtClean="0"/>
+              <a:rPr lang="en-US" dirty="0"/>
               <a:t>SCRIPTING</a:t>
             </a:r>
-            <a:endParaRPr lang="en-US" dirty="0"/>
           </a:p>
         </p:txBody>
       </p:sp>
@@ -8427,39 +7857,39 @@
               <a:buNone/>
             </a:pPr>
             <a:r>
-              <a:rPr lang="en-US" u="sng" dirty="0" smtClean="0"/>
+              <a:rPr lang="en-US" u="sng" dirty="0"/>
               <a:t>Bash Scripts</a:t>
             </a:r>
           </a:p>
           <a:p>
             <a:r>
-              <a:rPr lang="en-US" dirty="0" smtClean="0"/>
+              <a:rPr lang="en-US" dirty="0"/>
               <a:t>The commands you’ve been typing into your terminal are bash commands </a:t>
             </a:r>
             <a:r>
-              <a:rPr lang="mr-IN" dirty="0" smtClean="0"/>
+              <a:rPr lang="mr-IN" dirty="0"/>
               <a:t>–</a:t>
             </a:r>
             <a:r>
-              <a:rPr lang="en-US" dirty="0" smtClean="0"/>
+              <a:rPr lang="en-US" dirty="0"/>
               <a:t> they tell bash to run a program that is installed somewhere on your system and do something with the results</a:t>
             </a:r>
           </a:p>
           <a:p>
             <a:pPr lvl="1"/>
             <a:r>
-              <a:rPr lang="en-US" dirty="0" smtClean="0"/>
+              <a:rPr lang="en-US" dirty="0"/>
               <a:t>Any program that is in your system ”path” can be executed from the command line without typing the full path</a:t>
             </a:r>
           </a:p>
           <a:p>
             <a:pPr lvl="1"/>
             <a:r>
-              <a:rPr lang="en-US" dirty="0" smtClean="0"/>
+              <a:rPr lang="en-US" dirty="0"/>
               <a:t>To see your system path, run “</a:t>
             </a:r>
             <a:r>
-              <a:rPr lang="en-US" sz="2400" dirty="0" smtClean="0">
+              <a:rPr lang="en-US" sz="2400" dirty="0">
                 <a:latin typeface="Courier" charset="0"/>
                 <a:ea typeface="Courier" charset="0"/>
                 <a:cs typeface="Courier" charset="0"/>
@@ -8467,14 +7897,13 @@
               <a:t>echo $PATH</a:t>
             </a:r>
             <a:r>
-              <a:rPr lang="en-US" dirty="0" smtClean="0"/>
+              <a:rPr lang="en-US" dirty="0"/>
               <a:t>”</a:t>
             </a:r>
+          </a:p>
+          <a:p>
+            <a:pPr lvl="1"/>
             <a:endParaRPr lang="en-US" dirty="0"/>
-          </a:p>
-          <a:p>
-            <a:pPr lvl="1"/>
-            <a:endParaRPr lang="en-US" dirty="0" smtClean="0"/>
           </a:p>
         </p:txBody>
       </p:sp>
@@ -8488,21 +7917,6 @@
   <p:clrMapOvr>
     <a:masterClrMapping/>
   </p:clrMapOvr>
-  <mc:AlternateContent xmlns:mc="http://schemas.openxmlformats.org/markup-compatibility/2006" xmlns:p14="http://schemas.microsoft.com/office/powerpoint/2010/main">
-    <mc:Choice Requires="p14">
-      <p:transition spd="slow" p14:dur="2000"/>
-    </mc:Choice>
-    <mc:Fallback xmlns="">
-      <p:transition xmlns:p14="http://schemas.microsoft.com/office/powerpoint/2010/main" spd="slow"/>
-    </mc:Fallback>
-  </mc:AlternateContent>
-  <p:timing>
-    <p:tnLst>
-      <p:par>
-        <p:cTn id="1" dur="indefinite" restart="never" nodeType="tmRoot"/>
-      </p:par>
-    </p:tnLst>
-  </p:timing>
 </p:sld>
 </file>
 
@@ -8542,10 +7956,9 @@
           <a:p>
             <a:pPr algn="ctr"/>
             <a:r>
-              <a:rPr lang="en-US" dirty="0" smtClean="0"/>
+              <a:rPr lang="en-US" dirty="0"/>
               <a:t>SCRIPTING</a:t>
             </a:r>
-            <a:endParaRPr lang="en-US" dirty="0"/>
           </a:p>
         </p:txBody>
       </p:sp>
@@ -8575,7 +7988,7 @@
               <a:buNone/>
             </a:pPr>
             <a:r>
-              <a:rPr lang="en-US" u="sng" dirty="0" smtClean="0"/>
+              <a:rPr lang="en-US" u="sng" dirty="0"/>
               <a:t>Environment Variables</a:t>
             </a:r>
           </a:p>
@@ -8584,28 +7997,12 @@
               <a:buNone/>
             </a:pPr>
             <a:r>
-              <a:rPr lang="en-US" sz="2000" dirty="0" smtClean="0">
-                <a:latin typeface="Courier" charset="0"/>
-                <a:ea typeface="Courier" charset="0"/>
-                <a:cs typeface="Courier" charset="0"/>
-              </a:rPr>
-              <a:t># PATH </a:t>
-            </a:r>
-            <a:r>
               <a:rPr lang="en-US" sz="2000" dirty="0">
                 <a:latin typeface="Courier" charset="0"/>
                 <a:ea typeface="Courier" charset="0"/>
                 <a:cs typeface="Courier" charset="0"/>
               </a:rPr>
-              <a:t>is an example of an environment </a:t>
-            </a:r>
-            <a:r>
-              <a:rPr lang="en-US" sz="2000" dirty="0" smtClean="0">
-                <a:latin typeface="Courier" charset="0"/>
-                <a:ea typeface="Courier" charset="0"/>
-                <a:cs typeface="Courier" charset="0"/>
-              </a:rPr>
-              <a:t>variable. Bash</a:t>
+              <a:t># PATH is an example of an environment variable. Bash</a:t>
             </a:r>
           </a:p>
           <a:p>
@@ -8613,7 +8010,7 @@
               <a:buNone/>
             </a:pPr>
             <a:r>
-              <a:rPr lang="en-US" sz="2000" dirty="0" smtClean="0">
+              <a:rPr lang="en-US" sz="2000" dirty="0">
                 <a:latin typeface="Courier" charset="0"/>
                 <a:ea typeface="Courier" charset="0"/>
                 <a:cs typeface="Courier" charset="0"/>
@@ -8626,7 +8023,7 @@
               <a:buNone/>
             </a:pPr>
             <a:r>
-              <a:rPr lang="en-US" sz="2000" dirty="0" smtClean="0">
+              <a:rPr lang="en-US" sz="2000" dirty="0">
                 <a:latin typeface="Courier" charset="0"/>
                 <a:ea typeface="Courier" charset="0"/>
                 <a:cs typeface="Courier" charset="0"/>
@@ -8639,7 +8036,7 @@
               <a:buNone/>
             </a:pPr>
             <a:r>
-              <a:rPr lang="en-US" sz="2000" dirty="0" smtClean="0">
+              <a:rPr lang="en-US" sz="2000" dirty="0">
                 <a:latin typeface="Courier" charset="0"/>
                 <a:ea typeface="Courier" charset="0"/>
                 <a:cs typeface="Courier" charset="0"/>
@@ -8652,7 +8049,7 @@
               <a:buNone/>
             </a:pPr>
             <a:r>
-              <a:rPr lang="en-US" sz="2000" dirty="0" smtClean="0">
+              <a:rPr lang="en-US" sz="2000" dirty="0">
                 <a:latin typeface="Courier" charset="0"/>
                 <a:ea typeface="Courier" charset="0"/>
                 <a:cs typeface="Courier" charset="0"/>
@@ -8664,7 +8061,7 @@
             <a:pPr marL="0" indent="0">
               <a:buNone/>
             </a:pPr>
-            <a:endParaRPr lang="en-US" sz="2000" dirty="0" smtClean="0">
+            <a:endParaRPr lang="en-US" sz="2000" dirty="0">
               <a:latin typeface="Courier" charset="0"/>
               <a:ea typeface="Courier" charset="0"/>
               <a:cs typeface="Courier" charset="0"/>
@@ -8675,28 +8072,12 @@
               <a:buNone/>
             </a:pPr>
             <a:r>
-              <a:rPr lang="en-US" sz="2000" dirty="0" smtClean="0">
-                <a:latin typeface="Courier" charset="0"/>
-                <a:ea typeface="Courier" charset="0"/>
-                <a:cs typeface="Courier" charset="0"/>
-              </a:rPr>
-              <a:t># You </a:t>
-            </a:r>
-            <a:r>
               <a:rPr lang="en-US" sz="2000" dirty="0">
                 <a:latin typeface="Courier" charset="0"/>
                 <a:ea typeface="Courier" charset="0"/>
                 <a:cs typeface="Courier" charset="0"/>
               </a:rPr>
-              <a:t>can set other </a:t>
-            </a:r>
-            <a:r>
-              <a:rPr lang="en-US" sz="2000" dirty="0" smtClean="0">
-                <a:latin typeface="Courier" charset="0"/>
-                <a:ea typeface="Courier" charset="0"/>
-                <a:cs typeface="Courier" charset="0"/>
-              </a:rPr>
-              <a:t>environment variables</a:t>
+              <a:t># You can set other environment variables</a:t>
             </a:r>
           </a:p>
           <a:p>
@@ -8704,7 +8085,7 @@
               <a:buNone/>
             </a:pPr>
             <a:r>
-              <a:rPr lang="en-US" sz="2000" dirty="0" smtClean="0">
+              <a:rPr lang="en-US" sz="2000" dirty="0">
                 <a:latin typeface="Courier" charset="0"/>
                 <a:ea typeface="Courier" charset="0"/>
                 <a:cs typeface="Courier" charset="0"/>
@@ -8712,7 +8093,7 @@
               <a:t>export </a:t>
             </a:r>
             <a:r>
-              <a:rPr lang="en-US" sz="2000" i="1" dirty="0" smtClean="0">
+              <a:rPr lang="en-US" sz="2000" i="1" dirty="0">
                 <a:latin typeface="Courier" charset="0"/>
                 <a:ea typeface="Courier" charset="0"/>
                 <a:cs typeface="Courier" charset="0"/>
@@ -8720,7 +8101,7 @@
               <a:t>VAR</a:t>
             </a:r>
             <a:r>
-              <a:rPr lang="en-US" sz="2000" dirty="0" smtClean="0">
+              <a:rPr lang="en-US" sz="2000" dirty="0">
                 <a:latin typeface="Courier" charset="0"/>
                 <a:ea typeface="Courier" charset="0"/>
                 <a:cs typeface="Courier" charset="0"/>
@@ -8728,7 +8109,7 @@
               <a:t>=</a:t>
             </a:r>
             <a:r>
-              <a:rPr lang="en-US" sz="2000" i="1" dirty="0" smtClean="0">
+              <a:rPr lang="en-US" sz="2000" i="1" dirty="0">
                 <a:latin typeface="Courier" charset="0"/>
                 <a:ea typeface="Courier" charset="0"/>
                 <a:cs typeface="Courier" charset="0"/>
@@ -8753,21 +8134,6 @@
   <p:clrMapOvr>
     <a:masterClrMapping/>
   </p:clrMapOvr>
-  <mc:AlternateContent xmlns:mc="http://schemas.openxmlformats.org/markup-compatibility/2006" xmlns:p14="http://schemas.microsoft.com/office/powerpoint/2010/main">
-    <mc:Choice Requires="p14">
-      <p:transition spd="slow" p14:dur="2000"/>
-    </mc:Choice>
-    <mc:Fallback xmlns="">
-      <p:transition xmlns:p14="http://schemas.microsoft.com/office/powerpoint/2010/main" spd="slow"/>
-    </mc:Fallback>
-  </mc:AlternateContent>
-  <p:timing>
-    <p:tnLst>
-      <p:par>
-        <p:cTn id="1" dur="indefinite" restart="never" nodeType="tmRoot"/>
-      </p:par>
-    </p:tnLst>
-  </p:timing>
 </p:sld>
 </file>
 
@@ -8807,10 +8173,9 @@
           <a:p>
             <a:pPr algn="ctr"/>
             <a:r>
-              <a:rPr lang="en-US" dirty="0" smtClean="0"/>
+              <a:rPr lang="en-US" dirty="0"/>
               <a:t>SCRIPTING</a:t>
             </a:r>
-            <a:endParaRPr lang="en-US" dirty="0"/>
           </a:p>
         </p:txBody>
       </p:sp>
@@ -8840,42 +8205,42 @@
               <a:buNone/>
             </a:pPr>
             <a:r>
-              <a:rPr lang="en-US" u="sng" dirty="0" smtClean="0"/>
+              <a:rPr lang="en-US" u="sng" dirty="0"/>
               <a:t>Bash Scripts</a:t>
             </a:r>
           </a:p>
           <a:p>
             <a:r>
-              <a:rPr lang="en-US" dirty="0" smtClean="0"/>
+              <a:rPr lang="en-US" dirty="0"/>
               <a:t>To create a bash script, simply type your commands into a text file rather than at the terminal</a:t>
             </a:r>
           </a:p>
           <a:p>
             <a:pPr lvl="1"/>
             <a:r>
-              <a:rPr lang="en-US" dirty="0" smtClean="0"/>
+              <a:rPr lang="en-US" dirty="0"/>
               <a:t>You can do this using </a:t>
             </a:r>
             <a:r>
-              <a:rPr lang="en-US" dirty="0" err="1" smtClean="0"/>
+              <a:rPr lang="en-US" dirty="0" err="1"/>
               <a:t>nano</a:t>
             </a:r>
             <a:r>
-              <a:rPr lang="en-US" dirty="0" smtClean="0"/>
+              <a:rPr lang="en-US" dirty="0"/>
               <a:t> or your favorite graphical text editor (notepad, Atom, </a:t>
             </a:r>
             <a:r>
-              <a:rPr lang="en-US" dirty="0" err="1" smtClean="0"/>
+              <a:rPr lang="en-US" dirty="0" err="1"/>
               <a:t>etc</a:t>
             </a:r>
             <a:r>
-              <a:rPr lang="en-US" dirty="0" smtClean="0"/>
+              <a:rPr lang="en-US" dirty="0"/>
               <a:t>)</a:t>
             </a:r>
           </a:p>
           <a:p>
             <a:r>
-              <a:rPr lang="en-US" dirty="0" smtClean="0"/>
+              <a:rPr lang="en-US" dirty="0"/>
               <a:t>Bash scripts typically start with the “shebang” line:</a:t>
             </a:r>
           </a:p>
@@ -8884,22 +8249,17 @@
               <a:buNone/>
             </a:pPr>
             <a:r>
-              <a:rPr lang="en-US" sz="2400" dirty="0" smtClean="0">
+              <a:rPr lang="en-US" sz="2400" dirty="0">
                 <a:latin typeface="Courier" charset="0"/>
                 <a:ea typeface="Courier" charset="0"/>
                 <a:cs typeface="Courier" charset="0"/>
               </a:rPr>
               <a:t>#!/bin/bash</a:t>
             </a:r>
-            <a:endParaRPr lang="en-US" sz="2400" dirty="0">
-              <a:latin typeface="Courier" charset="0"/>
-              <a:ea typeface="Courier" charset="0"/>
-              <a:cs typeface="Courier" charset="0"/>
-            </a:endParaRPr>
           </a:p>
           <a:p>
             <a:pPr lvl="1"/>
-            <a:endParaRPr lang="en-US" dirty="0" smtClean="0"/>
+            <a:endParaRPr lang="en-US" dirty="0"/>
           </a:p>
         </p:txBody>
       </p:sp>
@@ -8913,21 +8273,6 @@
   <p:clrMapOvr>
     <a:masterClrMapping/>
   </p:clrMapOvr>
-  <mc:AlternateContent xmlns:mc="http://schemas.openxmlformats.org/markup-compatibility/2006" xmlns:p14="http://schemas.microsoft.com/office/powerpoint/2010/main">
-    <mc:Choice Requires="p14">
-      <p:transition spd="slow" p14:dur="2000"/>
-    </mc:Choice>
-    <mc:Fallback xmlns="">
-      <p:transition xmlns:p14="http://schemas.microsoft.com/office/powerpoint/2010/main" spd="slow"/>
-    </mc:Fallback>
-  </mc:AlternateContent>
-  <p:timing>
-    <p:tnLst>
-      <p:par>
-        <p:cTn id="1" dur="indefinite" restart="never" nodeType="tmRoot"/>
-      </p:par>
-    </p:tnLst>
-  </p:timing>
 </p:sld>
 </file>
 
@@ -8967,10 +8312,9 @@
           <a:p>
             <a:pPr algn="ctr"/>
             <a:r>
-              <a:rPr lang="en-US" dirty="0" smtClean="0"/>
+              <a:rPr lang="en-US" dirty="0"/>
               <a:t>SCRIPTING</a:t>
             </a:r>
-            <a:endParaRPr lang="en-US" dirty="0"/>
           </a:p>
         </p:txBody>
       </p:sp>
@@ -9000,7 +8344,7 @@
               <a:buNone/>
             </a:pPr>
             <a:r>
-              <a:rPr lang="en-US" u="sng" dirty="0" smtClean="0"/>
+              <a:rPr lang="en-US" u="sng" dirty="0"/>
               <a:t>Example Bash Script</a:t>
             </a:r>
           </a:p>
@@ -9009,7 +8353,7 @@
               <a:buNone/>
             </a:pPr>
             <a:r>
-              <a:rPr lang="en-US" sz="2400" dirty="0" smtClean="0">
+              <a:rPr lang="en-US" sz="2400" dirty="0">
                 <a:latin typeface="Courier" charset="0"/>
                 <a:ea typeface="Courier" charset="0"/>
                 <a:cs typeface="Courier" charset="0"/>
@@ -9022,7 +8366,7 @@
               <a:buNone/>
             </a:pPr>
             <a:r>
-              <a:rPr lang="en-US" sz="2400" dirty="0" smtClean="0">
+              <a:rPr lang="en-US" sz="2400" dirty="0">
                 <a:latin typeface="Courier" charset="0"/>
                 <a:ea typeface="Courier" charset="0"/>
                 <a:cs typeface="Courier" charset="0"/>
@@ -9035,7 +8379,7 @@
               <a:buNone/>
             </a:pPr>
             <a:r>
-              <a:rPr lang="en-US" sz="2400" dirty="0" smtClean="0">
+              <a:rPr lang="en-US" sz="2400" dirty="0">
                 <a:latin typeface="Courier" charset="0"/>
                 <a:ea typeface="Courier" charset="0"/>
                 <a:cs typeface="Courier" charset="0"/>
@@ -9048,7 +8392,7 @@
               <a:buNone/>
             </a:pPr>
             <a:r>
-              <a:rPr lang="en-US" sz="2400" dirty="0" smtClean="0">
+              <a:rPr lang="en-US" sz="2400" dirty="0">
                 <a:latin typeface="Courier" charset="0"/>
                 <a:ea typeface="Courier" charset="0"/>
                 <a:cs typeface="Courier" charset="0"/>
@@ -9056,7 +8400,7 @@
               <a:t># Usage: </a:t>
             </a:r>
             <a:r>
-              <a:rPr lang="en-US" sz="2400" dirty="0" err="1" smtClean="0">
+              <a:rPr lang="en-US" sz="2400" dirty="0" err="1">
                 <a:latin typeface="Courier" charset="0"/>
                 <a:ea typeface="Courier" charset="0"/>
                 <a:cs typeface="Courier" charset="0"/>
@@ -9064,7 +8408,7 @@
               <a:t>myscript.sh</a:t>
             </a:r>
             <a:r>
-              <a:rPr lang="en-US" sz="2400" dirty="0" smtClean="0">
+              <a:rPr lang="en-US" sz="2400" dirty="0">
                 <a:latin typeface="Courier" charset="0"/>
                 <a:ea typeface="Courier" charset="0"/>
                 <a:cs typeface="Courier" charset="0"/>
@@ -9076,120 +8420,6 @@
             <a:pPr marL="0" indent="0">
               <a:buNone/>
             </a:pPr>
-            <a:endParaRPr lang="en-US" sz="2400" dirty="0" smtClean="0">
-              <a:latin typeface="Courier" charset="0"/>
-              <a:ea typeface="Courier" charset="0"/>
-              <a:cs typeface="Courier" charset="0"/>
-            </a:endParaRPr>
-          </a:p>
-          <a:p>
-            <a:pPr marL="0" indent="0">
-              <a:buNone/>
-            </a:pPr>
-            <a:r>
-              <a:rPr lang="en-US" sz="2400" dirty="0" smtClean="0">
-                <a:latin typeface="Courier" charset="0"/>
-                <a:ea typeface="Courier" charset="0"/>
-                <a:cs typeface="Courier" charset="0"/>
-              </a:rPr>
-              <a:t># This script takes one argument, an input file.</a:t>
-            </a:r>
-          </a:p>
-          <a:p>
-            <a:pPr marL="0" indent="0">
-              <a:buNone/>
-            </a:pPr>
-            <a:r>
-              <a:rPr lang="en-US" sz="2400" dirty="0" smtClean="0">
-                <a:latin typeface="Courier" charset="0"/>
-                <a:ea typeface="Courier" charset="0"/>
-                <a:cs typeface="Courier" charset="0"/>
-              </a:rPr>
-              <a:t># Bash automatically stores arguments in the</a:t>
-            </a:r>
-          </a:p>
-          <a:p>
-            <a:pPr marL="0" indent="0">
-              <a:buNone/>
-            </a:pPr>
-            <a:r>
-              <a:rPr lang="en-US" sz="2400" dirty="0" smtClean="0">
-                <a:latin typeface="Courier" charset="0"/>
-                <a:ea typeface="Courier" charset="0"/>
-                <a:cs typeface="Courier" charset="0"/>
-              </a:rPr>
-              <a:t># special variables $1-$9.</a:t>
-            </a:r>
-          </a:p>
-          <a:p>
-            <a:pPr marL="0" indent="0">
-              <a:buNone/>
-            </a:pPr>
-            <a:r>
-              <a:rPr lang="en-US" sz="2400" dirty="0" smtClean="0">
-                <a:latin typeface="Courier" charset="0"/>
-                <a:ea typeface="Courier" charset="0"/>
-                <a:cs typeface="Courier" charset="0"/>
-              </a:rPr>
-              <a:t>echo “You passed me input file: $1”</a:t>
-            </a:r>
-          </a:p>
-          <a:p>
-            <a:pPr marL="0" indent="0">
-              <a:buNone/>
-            </a:pPr>
-            <a:endParaRPr lang="en-US" sz="2400" dirty="0" smtClean="0">
-              <a:latin typeface="Courier" charset="0"/>
-              <a:ea typeface="Courier" charset="0"/>
-              <a:cs typeface="Courier" charset="0"/>
-            </a:endParaRPr>
-          </a:p>
-          <a:p>
-            <a:pPr marL="0" indent="0">
-              <a:buNone/>
-            </a:pPr>
-            <a:r>
-              <a:rPr lang="en-US" sz="2400" dirty="0" smtClean="0">
-                <a:latin typeface="Courier" charset="0"/>
-                <a:ea typeface="Courier" charset="0"/>
-                <a:cs typeface="Courier" charset="0"/>
-              </a:rPr>
-              <a:t># Now I’ll call another command and pass it the</a:t>
-            </a:r>
-          </a:p>
-          <a:p>
-            <a:pPr marL="0" indent="0">
-              <a:buNone/>
-            </a:pPr>
-            <a:r>
-              <a:rPr lang="en-US" sz="2400" dirty="0" smtClean="0">
-                <a:latin typeface="Courier" charset="0"/>
-                <a:ea typeface="Courier" charset="0"/>
-                <a:cs typeface="Courier" charset="0"/>
-              </a:rPr>
-              <a:t># input file argument.</a:t>
-            </a:r>
-          </a:p>
-          <a:p>
-            <a:pPr marL="0" indent="0">
-              <a:buNone/>
-            </a:pPr>
-            <a:r>
-              <a:rPr lang="en-US" sz="2400" dirty="0" err="1" smtClean="0">
-                <a:latin typeface="Courier" charset="0"/>
-                <a:ea typeface="Courier" charset="0"/>
-                <a:cs typeface="Courier" charset="0"/>
-              </a:rPr>
-              <a:t>mycommand</a:t>
-            </a:r>
-            <a:r>
-              <a:rPr lang="en-US" sz="2400" dirty="0" smtClean="0">
-                <a:latin typeface="Courier" charset="0"/>
-                <a:ea typeface="Courier" charset="0"/>
-                <a:cs typeface="Courier" charset="0"/>
-              </a:rPr>
-              <a:t> --input $1</a:t>
-            </a:r>
             <a:endParaRPr lang="en-US" sz="2400" dirty="0">
               <a:latin typeface="Courier" charset="0"/>
               <a:ea typeface="Courier" charset="0"/>
@@ -9197,8 +8427,117 @@
             </a:endParaRPr>
           </a:p>
           <a:p>
+            <a:pPr marL="0" indent="0">
+              <a:buNone/>
+            </a:pPr>
+            <a:r>
+              <a:rPr lang="en-US" sz="2400" dirty="0">
+                <a:latin typeface="Courier" charset="0"/>
+                <a:ea typeface="Courier" charset="0"/>
+                <a:cs typeface="Courier" charset="0"/>
+              </a:rPr>
+              <a:t># This script takes one argument, an input file.</a:t>
+            </a:r>
+          </a:p>
+          <a:p>
+            <a:pPr marL="0" indent="0">
+              <a:buNone/>
+            </a:pPr>
+            <a:r>
+              <a:rPr lang="en-US" sz="2400" dirty="0">
+                <a:latin typeface="Courier" charset="0"/>
+                <a:ea typeface="Courier" charset="0"/>
+                <a:cs typeface="Courier" charset="0"/>
+              </a:rPr>
+              <a:t># Bash automatically stores arguments in the</a:t>
+            </a:r>
+          </a:p>
+          <a:p>
+            <a:pPr marL="0" indent="0">
+              <a:buNone/>
+            </a:pPr>
+            <a:r>
+              <a:rPr lang="en-US" sz="2400" dirty="0">
+                <a:latin typeface="Courier" charset="0"/>
+                <a:ea typeface="Courier" charset="0"/>
+                <a:cs typeface="Courier" charset="0"/>
+              </a:rPr>
+              <a:t># special variables $1-$9.</a:t>
+            </a:r>
+          </a:p>
+          <a:p>
+            <a:pPr marL="0" indent="0">
+              <a:buNone/>
+            </a:pPr>
+            <a:r>
+              <a:rPr lang="en-US" sz="2400" dirty="0">
+                <a:latin typeface="Courier" charset="0"/>
+                <a:ea typeface="Courier" charset="0"/>
+                <a:cs typeface="Courier" charset="0"/>
+              </a:rPr>
+              <a:t>echo “You passed me input file: $1”</a:t>
+            </a:r>
+          </a:p>
+          <a:p>
+            <a:pPr marL="0" indent="0">
+              <a:buNone/>
+            </a:pPr>
+            <a:endParaRPr lang="en-US" sz="2400" dirty="0">
+              <a:latin typeface="Courier" charset="0"/>
+              <a:ea typeface="Courier" charset="0"/>
+              <a:cs typeface="Courier" charset="0"/>
+            </a:endParaRPr>
+          </a:p>
+          <a:p>
+            <a:pPr marL="0" indent="0">
+              <a:buNone/>
+            </a:pPr>
+            <a:r>
+              <a:rPr lang="en-US" sz="2400" dirty="0">
+                <a:latin typeface="Courier" charset="0"/>
+                <a:ea typeface="Courier" charset="0"/>
+                <a:cs typeface="Courier" charset="0"/>
+              </a:rPr>
+              <a:t># Now I’ll call another command and pass it the</a:t>
+            </a:r>
+          </a:p>
+          <a:p>
+            <a:pPr marL="0" indent="0">
+              <a:buNone/>
+            </a:pPr>
+            <a:r>
+              <a:rPr lang="en-US" sz="2400" dirty="0">
+                <a:latin typeface="Courier" charset="0"/>
+                <a:ea typeface="Courier" charset="0"/>
+                <a:cs typeface="Courier" charset="0"/>
+              </a:rPr>
+              <a:t># input file argument.</a:t>
+            </a:r>
+          </a:p>
+          <a:p>
+            <a:pPr marL="0" indent="0">
+              <a:buNone/>
+            </a:pPr>
+            <a:r>
+              <a:rPr lang="en-US" sz="2400" dirty="0" err="1">
+                <a:latin typeface="Courier" charset="0"/>
+                <a:ea typeface="Courier" charset="0"/>
+                <a:cs typeface="Courier" charset="0"/>
+              </a:rPr>
+              <a:t>mycommand</a:t>
+            </a:r>
+            <a:r>
+              <a:rPr lang="en-US" sz="2400" dirty="0">
+                <a:latin typeface="Courier" charset="0"/>
+                <a:ea typeface="Courier" charset="0"/>
+                <a:cs typeface="Courier" charset="0"/>
+              </a:rPr>
+              <a:t> --input $1</a:t>
+            </a:r>
+          </a:p>
+          <a:p>
             <a:pPr lvl="1"/>
-            <a:endParaRPr lang="en-US" dirty="0" smtClean="0"/>
+            <a:endParaRPr lang="en-US" dirty="0"/>
           </a:p>
         </p:txBody>
       </p:sp>
@@ -9212,21 +8551,6 @@
   <p:clrMapOvr>
     <a:masterClrMapping/>
   </p:clrMapOvr>
-  <mc:AlternateContent xmlns:mc="http://schemas.openxmlformats.org/markup-compatibility/2006" xmlns:p14="http://schemas.microsoft.com/office/powerpoint/2010/main">
-    <mc:Choice Requires="p14">
-      <p:transition spd="slow" p14:dur="2000"/>
-    </mc:Choice>
-    <mc:Fallback xmlns="">
-      <p:transition xmlns:p14="http://schemas.microsoft.com/office/powerpoint/2010/main" spd="slow"/>
-    </mc:Fallback>
-  </mc:AlternateContent>
-  <p:timing>
-    <p:tnLst>
-      <p:par>
-        <p:cTn id="1" dur="indefinite" restart="never" nodeType="tmRoot"/>
-      </p:par>
-    </p:tnLst>
-  </p:timing>
 </p:sld>
 </file>
 
@@ -9266,10 +8590,9 @@
           <a:p>
             <a:pPr algn="ctr"/>
             <a:r>
-              <a:rPr lang="en-US" dirty="0" smtClean="0"/>
+              <a:rPr lang="en-US" dirty="0"/>
               <a:t>SCRIPTING</a:t>
             </a:r>
-            <a:endParaRPr lang="en-US" dirty="0"/>
           </a:p>
         </p:txBody>
       </p:sp>
@@ -9299,20 +8622,20 @@
               <a:buNone/>
             </a:pPr>
             <a:r>
-              <a:rPr lang="en-US" u="sng" dirty="0" smtClean="0"/>
+              <a:rPr lang="en-US" u="sng" dirty="0"/>
               <a:t>Calling Bash Scripts</a:t>
             </a:r>
           </a:p>
           <a:p>
             <a:r>
-              <a:rPr lang="en-US" dirty="0" smtClean="0"/>
+              <a:rPr lang="en-US" dirty="0"/>
               <a:t>Two options:</a:t>
             </a:r>
           </a:p>
           <a:p>
             <a:pPr lvl="1"/>
             <a:r>
-              <a:rPr lang="en-US" dirty="0" smtClean="0">
+              <a:rPr lang="en-US" dirty="0">
                 <a:latin typeface="Courier" charset="0"/>
                 <a:ea typeface="Courier" charset="0"/>
                 <a:cs typeface="Courier" charset="0"/>
@@ -9320,7 +8643,7 @@
               <a:t>bash /path/to/</a:t>
             </a:r>
             <a:r>
-              <a:rPr lang="en-US" dirty="0" err="1" smtClean="0">
+              <a:rPr lang="en-US" dirty="0" err="1">
                 <a:latin typeface="Courier" charset="0"/>
                 <a:ea typeface="Courier" charset="0"/>
                 <a:cs typeface="Courier" charset="0"/>
@@ -9336,7 +8659,7 @@
           <a:p>
             <a:pPr lvl="2"/>
             <a:r>
-              <a:rPr lang="en-US" dirty="0" smtClean="0">
+              <a:rPr lang="en-US" dirty="0">
                 <a:latin typeface="+mj-lt"/>
                 <a:ea typeface="Courier" charset="0"/>
                 <a:cs typeface="Courier" charset="0"/>
@@ -9347,7 +8670,7 @@
           <a:p>
             <a:pPr lvl="1"/>
             <a:r>
-              <a:rPr lang="en-US" dirty="0" smtClean="0">
+              <a:rPr lang="en-US" dirty="0">
                 <a:latin typeface="+mj-lt"/>
                 <a:ea typeface="Courier" charset="0"/>
                 <a:cs typeface="Courier" charset="0"/>
@@ -9355,7 +8678,7 @@
               <a:t>Make the script executable: </a:t>
             </a:r>
             <a:r>
-              <a:rPr lang="en-US" sz="2400" dirty="0" err="1" smtClean="0">
+              <a:rPr lang="en-US" sz="2400" dirty="0" err="1">
                 <a:latin typeface="Courier" charset="0"/>
                 <a:ea typeface="Courier" charset="0"/>
                 <a:cs typeface="Courier" charset="0"/>
@@ -9363,7 +8686,7 @@
               <a:t>chmod</a:t>
             </a:r>
             <a:r>
-              <a:rPr lang="en-US" sz="2400" dirty="0" smtClean="0">
+              <a:rPr lang="en-US" sz="2400" dirty="0">
                 <a:latin typeface="Courier" charset="0"/>
                 <a:ea typeface="Courier" charset="0"/>
                 <a:cs typeface="Courier" charset="0"/>
@@ -9371,7 +8694,7 @@
               <a:t> +x </a:t>
             </a:r>
             <a:r>
-              <a:rPr lang="en-US" sz="2400" dirty="0" err="1" smtClean="0">
+              <a:rPr lang="en-US" sz="2400" dirty="0" err="1">
                 <a:latin typeface="Courier" charset="0"/>
                 <a:ea typeface="Courier" charset="0"/>
                 <a:cs typeface="Courier" charset="0"/>
@@ -9386,25 +8709,25 @@
           </a:p>
           <a:p>
             <a:r>
-              <a:rPr lang="en-US" dirty="0" smtClean="0"/>
+              <a:rPr lang="en-US" dirty="0"/>
               <a:t>To run an executable script</a:t>
             </a:r>
           </a:p>
           <a:p>
             <a:pPr lvl="1"/>
             <a:r>
-              <a:rPr lang="en-US" dirty="0" smtClean="0"/>
+              <a:rPr lang="en-US" dirty="0"/>
               <a:t>Move the script to a directory in your PATH and call it by name from anywhere, or</a:t>
             </a:r>
           </a:p>
           <a:p>
             <a:pPr lvl="1"/>
             <a:r>
-              <a:rPr lang="en-US" dirty="0" smtClean="0"/>
+              <a:rPr lang="en-US" dirty="0"/>
               <a:t>Call it by it’s full path: ./</a:t>
             </a:r>
             <a:r>
-              <a:rPr lang="en-US" dirty="0" err="1" smtClean="0">
+              <a:rPr lang="en-US" dirty="0" err="1">
                 <a:latin typeface="Courier" charset="0"/>
                 <a:ea typeface="Courier" charset="0"/>
                 <a:cs typeface="Courier" charset="0"/>
@@ -9412,7 +8735,7 @@
               <a:t>myscript.sh</a:t>
             </a:r>
             <a:r>
-              <a:rPr lang="en-US" dirty="0" smtClean="0">
+              <a:rPr lang="en-US" dirty="0">
                 <a:latin typeface="Courier" charset="0"/>
                 <a:ea typeface="Courier" charset="0"/>
                 <a:cs typeface="Courier" charset="0"/>
@@ -9420,14 +8743,14 @@
               <a:t> or /path/to/</a:t>
             </a:r>
             <a:r>
-              <a:rPr lang="en-US" dirty="0" err="1" smtClean="0">
+              <a:rPr lang="en-US" dirty="0" err="1">
                 <a:latin typeface="Courier" charset="0"/>
                 <a:ea typeface="Courier" charset="0"/>
                 <a:cs typeface="Courier" charset="0"/>
               </a:rPr>
               <a:t>myscript.sh</a:t>
             </a:r>
-            <a:endParaRPr lang="en-US" dirty="0" smtClean="0">
+            <a:endParaRPr lang="en-US" dirty="0">
               <a:latin typeface="Courier" charset="0"/>
               <a:ea typeface="Courier" charset="0"/>
               <a:cs typeface="Courier" charset="0"/>
@@ -9445,21 +8768,6 @@
   <p:clrMapOvr>
     <a:masterClrMapping/>
   </p:clrMapOvr>
-  <mc:AlternateContent xmlns:mc="http://schemas.openxmlformats.org/markup-compatibility/2006" xmlns:p14="http://schemas.microsoft.com/office/powerpoint/2010/main">
-    <mc:Choice Requires="p14">
-      <p:transition spd="slow" p14:dur="2000"/>
-    </mc:Choice>
-    <mc:Fallback xmlns="">
-      <p:transition xmlns:p14="http://schemas.microsoft.com/office/powerpoint/2010/main" spd="slow"/>
-    </mc:Fallback>
-  </mc:AlternateContent>
-  <p:timing>
-    <p:tnLst>
-      <p:par>
-        <p:cTn id="1" dur="indefinite" restart="never" nodeType="tmRoot"/>
-      </p:par>
-    </p:tnLst>
-  </p:timing>
 </p:sld>
 </file>
 
